--- a/Manuscript/Figures/04_Results_ROCs.pptx
+++ b/Manuscript/Figures/04_Results_ROCs.pptx
@@ -2,12 +2,12 @@
 <file path=ppt/presentation.xml><?xml version="1.0" encoding="utf-8"?>
 <p:presentation xmlns:a="http://schemas.openxmlformats.org/drawingml/2006/main" xmlns:r="http://schemas.openxmlformats.org/officeDocument/2006/relationships" xmlns:p="http://schemas.openxmlformats.org/presentationml/2006/main" saveSubsetFonts="1">
   <p:sldMasterIdLst>
-    <p:sldMasterId id="2147483672" r:id="rId1"/>
+    <p:sldMasterId id="2147483684" r:id="rId1"/>
   </p:sldMasterIdLst>
   <p:sldIdLst>
     <p:sldId id="256" r:id="rId2"/>
   </p:sldIdLst>
-  <p:sldSz cx="6858000" cy="7164388"/>
+  <p:sldSz cx="3384550" cy="3492500"/>
   <p:notesSz cx="6858000" cy="9144000"/>
   <p:defaultTextStyle>
     <a:defPPr>
@@ -104,12 +104,118 @@
       </a:defRPr>
     </a:lvl9pPr>
   </p:defaultTextStyle>
+  <p:extLst>
+    <p:ext uri="{EFAFB233-063F-42B5-8137-9DF3F51BA10A}">
+      <p15:sldGuideLst xmlns:p15="http://schemas.microsoft.com/office/powerpoint/2012/main"/>
+    </p:ext>
+  </p:extLst>
 </p:presentation>
+</file>
+
+<file path=ppt/revisionInfo.xml><?xml version="1.0" encoding="utf-8"?>
+<p1510:revInfo xmlns:a="http://schemas.openxmlformats.org/drawingml/2006/main" xmlns:r="http://schemas.openxmlformats.org/officeDocument/2006/relationships" xmlns:p1510="http://schemas.microsoft.com/office/powerpoint/2015/10/main">
+  <p1510:revLst>
+    <p1510:client id="{7F8EC0BD-3197-4221-A0D0-BDDD66987831}" v="2" dt="2023-12-13T22:48:30.957"/>
+  </p1510:revLst>
+</p1510:revInfo>
+</file>
+
+<file path=ppt/changesInfos/changesInfo1.xml><?xml version="1.0" encoding="utf-8"?>
+<pc:chgInfo xmlns:a="http://schemas.openxmlformats.org/drawingml/2006/main" xmlns:r="http://schemas.openxmlformats.org/officeDocument/2006/relationships" xmlns:ac="http://schemas.microsoft.com/office/drawing/2013/main/command" xmlns:pc="http://schemas.microsoft.com/office/powerpoint/2013/main/command">
+  <pc:docChgLst>
+    <pc:chgData name="Fatima Pillosu" userId="a6295d4dc9e22643" providerId="LiveId" clId="{7F8EC0BD-3197-4221-A0D0-BDDD66987831}"/>
+    <pc:docChg chg="custSel modSld">
+      <pc:chgData name="Fatima Pillosu" userId="a6295d4dc9e22643" providerId="LiveId" clId="{7F8EC0BD-3197-4221-A0D0-BDDD66987831}" dt="2023-12-13T22:48:30.957" v="20"/>
+      <pc:docMkLst>
+        <pc:docMk/>
+      </pc:docMkLst>
+      <pc:sldChg chg="addSp delSp modSp mod">
+        <pc:chgData name="Fatima Pillosu" userId="a6295d4dc9e22643" providerId="LiveId" clId="{7F8EC0BD-3197-4221-A0D0-BDDD66987831}" dt="2023-12-13T22:48:30.957" v="20"/>
+        <pc:sldMkLst>
+          <pc:docMk/>
+          <pc:sldMk cId="3435567076" sldId="256"/>
+        </pc:sldMkLst>
+        <pc:spChg chg="del">
+          <ac:chgData name="Fatima Pillosu" userId="a6295d4dc9e22643" providerId="LiveId" clId="{7F8EC0BD-3197-4221-A0D0-BDDD66987831}" dt="2023-12-13T22:47:47.225" v="3" actId="478"/>
+          <ac:spMkLst>
+            <pc:docMk/>
+            <pc:sldMk cId="3435567076" sldId="256"/>
+            <ac:spMk id="21" creationId="{0C9976B6-702E-44DB-94D9-5437C134B4AB}"/>
+          </ac:spMkLst>
+        </pc:spChg>
+        <pc:spChg chg="del">
+          <ac:chgData name="Fatima Pillosu" userId="a6295d4dc9e22643" providerId="LiveId" clId="{7F8EC0BD-3197-4221-A0D0-BDDD66987831}" dt="2023-12-13T22:47:48.483" v="4" actId="478"/>
+          <ac:spMkLst>
+            <pc:docMk/>
+            <pc:sldMk cId="3435567076" sldId="256"/>
+            <ac:spMk id="22" creationId="{F8FCEB9D-F015-B27F-967C-ED683860AB22}"/>
+          </ac:spMkLst>
+        </pc:spChg>
+        <pc:spChg chg="del">
+          <ac:chgData name="Fatima Pillosu" userId="a6295d4dc9e22643" providerId="LiveId" clId="{7F8EC0BD-3197-4221-A0D0-BDDD66987831}" dt="2023-12-13T22:47:50.323" v="5" actId="478"/>
+          <ac:spMkLst>
+            <pc:docMk/>
+            <pc:sldMk cId="3435567076" sldId="256"/>
+            <ac:spMk id="23" creationId="{DB61C02C-F06D-AE97-DC7E-6A0C305283CE}"/>
+          </ac:spMkLst>
+        </pc:spChg>
+        <pc:spChg chg="del">
+          <ac:chgData name="Fatima Pillosu" userId="a6295d4dc9e22643" providerId="LiveId" clId="{7F8EC0BD-3197-4221-A0D0-BDDD66987831}" dt="2023-12-13T22:47:52.375" v="6" actId="478"/>
+          <ac:spMkLst>
+            <pc:docMk/>
+            <pc:sldMk cId="3435567076" sldId="256"/>
+            <ac:spMk id="24" creationId="{D283778C-3AEF-26EB-E762-33599B998E53}"/>
+          </ac:spMkLst>
+        </pc:spChg>
+        <pc:picChg chg="add mod">
+          <ac:chgData name="Fatima Pillosu" userId="a6295d4dc9e22643" providerId="LiveId" clId="{7F8EC0BD-3197-4221-A0D0-BDDD66987831}" dt="2023-12-13T22:48:30.957" v="20"/>
+          <ac:picMkLst>
+            <pc:docMk/>
+            <pc:sldMk cId="3435567076" sldId="256"/>
+            <ac:picMk id="2" creationId="{9C658571-573C-FCBC-F24F-13685438936B}"/>
+          </ac:picMkLst>
+        </pc:picChg>
+        <pc:picChg chg="del mod">
+          <ac:chgData name="Fatima Pillosu" userId="a6295d4dc9e22643" providerId="LiveId" clId="{7F8EC0BD-3197-4221-A0D0-BDDD66987831}" dt="2023-12-13T22:48:16.459" v="19" actId="21"/>
+          <ac:picMkLst>
+            <pc:docMk/>
+            <pc:sldMk cId="3435567076" sldId="256"/>
+            <ac:picMk id="17" creationId="{2E2BAF94-8308-6549-4284-4DBD51377DF1}"/>
+          </ac:picMkLst>
+        </pc:picChg>
+        <pc:picChg chg="del">
+          <ac:chgData name="Fatima Pillosu" userId="a6295d4dc9e22643" providerId="LiveId" clId="{7F8EC0BD-3197-4221-A0D0-BDDD66987831}" dt="2023-12-13T22:47:43.701" v="2" actId="478"/>
+          <ac:picMkLst>
+            <pc:docMk/>
+            <pc:sldMk cId="3435567076" sldId="256"/>
+            <ac:picMk id="18" creationId="{301718E1-5B64-E99B-8DD3-052A96A60EEB}"/>
+          </ac:picMkLst>
+        </pc:picChg>
+        <pc:picChg chg="del">
+          <ac:chgData name="Fatima Pillosu" userId="a6295d4dc9e22643" providerId="LiveId" clId="{7F8EC0BD-3197-4221-A0D0-BDDD66987831}" dt="2023-12-13T22:47:42.984" v="1" actId="478"/>
+          <ac:picMkLst>
+            <pc:docMk/>
+            <pc:sldMk cId="3435567076" sldId="256"/>
+            <ac:picMk id="19" creationId="{F7E6D806-CEB4-C822-E095-5554834EC720}"/>
+          </ac:picMkLst>
+        </pc:picChg>
+        <pc:picChg chg="del">
+          <ac:chgData name="Fatima Pillosu" userId="a6295d4dc9e22643" providerId="LiveId" clId="{7F8EC0BD-3197-4221-A0D0-BDDD66987831}" dt="2023-12-13T22:47:42.227" v="0" actId="478"/>
+          <ac:picMkLst>
+            <pc:docMk/>
+            <pc:sldMk cId="3435567076" sldId="256"/>
+            <ac:picMk id="20" creationId="{576BC879-CA74-27EB-46E3-64FE6A9341CA}"/>
+          </ac:picMkLst>
+        </pc:picChg>
+      </pc:sldChg>
+    </pc:docChg>
+  </pc:docChgLst>
+</pc:chgInfo>
 </file>
 
 <file path=ppt/slideLayouts/slideLayout1.xml><?xml version="1.0" encoding="utf-8"?>
 <p:sldLayout xmlns:a="http://schemas.openxmlformats.org/drawingml/2006/main" xmlns:r="http://schemas.openxmlformats.org/officeDocument/2006/relationships" xmlns:p="http://schemas.openxmlformats.org/presentationml/2006/main" type="title" preserve="1">
-  <p:cSld name="Title Slide">
+  <p:cSld name="Diapositiva titolo">
     <p:spTree>
       <p:nvGrpSpPr>
         <p:cNvPr id="1" name=""/>
@@ -136,21 +242,21 @@
         </p:nvSpPr>
         <p:spPr>
           <a:xfrm>
-            <a:off x="514350" y="1172506"/>
-            <a:ext cx="5829300" cy="2494268"/>
+            <a:off x="253841" y="571574"/>
+            <a:ext cx="2876868" cy="1215907"/>
           </a:xfrm>
         </p:spPr>
         <p:txBody>
           <a:bodyPr anchor="b"/>
           <a:lstStyle>
             <a:lvl1pPr algn="ctr">
-              <a:defRPr sz="4500"/>
+              <a:defRPr sz="2221"/>
             </a:lvl1pPr>
           </a:lstStyle>
           <a:p>
             <a:r>
-              <a:rPr lang="en-US"/>
-              <a:t>Click to edit Master title style</a:t>
+              <a:rPr lang="it-IT"/>
+              <a:t>Fare clic per modificare lo stile del titolo dello schema</a:t>
             </a:r>
             <a:endParaRPr lang="en-US" dirty="0"/>
           </a:p>
@@ -168,8 +274,8 @@
         </p:nvSpPr>
         <p:spPr>
           <a:xfrm>
-            <a:off x="857250" y="3762963"/>
-            <a:ext cx="5143500" cy="1729735"/>
+            <a:off x="423069" y="1834371"/>
+            <a:ext cx="2538413" cy="843212"/>
           </a:xfrm>
         </p:spPr>
         <p:txBody>
@@ -177,45 +283,45 @@
           <a:lstStyle>
             <a:lvl1pPr marL="0" indent="0" algn="ctr">
               <a:buNone/>
-              <a:defRPr sz="1800"/>
+              <a:defRPr sz="888"/>
             </a:lvl1pPr>
-            <a:lvl2pPr marL="342900" indent="0" algn="ctr">
-              <a:buNone/>
-              <a:defRPr sz="1500"/>
+            <a:lvl2pPr marL="169210" indent="0" algn="ctr">
+              <a:buNone/>
+              <a:defRPr sz="740"/>
             </a:lvl2pPr>
-            <a:lvl3pPr marL="685800" indent="0" algn="ctr">
-              <a:buNone/>
-              <a:defRPr sz="1350"/>
+            <a:lvl3pPr marL="338419" indent="0" algn="ctr">
+              <a:buNone/>
+              <a:defRPr sz="666"/>
             </a:lvl3pPr>
-            <a:lvl4pPr marL="1028700" indent="0" algn="ctr">
-              <a:buNone/>
-              <a:defRPr sz="1200"/>
+            <a:lvl4pPr marL="507629" indent="0" algn="ctr">
+              <a:buNone/>
+              <a:defRPr sz="592"/>
             </a:lvl4pPr>
-            <a:lvl5pPr marL="1371600" indent="0" algn="ctr">
-              <a:buNone/>
-              <a:defRPr sz="1200"/>
+            <a:lvl5pPr marL="676839" indent="0" algn="ctr">
+              <a:buNone/>
+              <a:defRPr sz="592"/>
             </a:lvl5pPr>
-            <a:lvl6pPr marL="1714500" indent="0" algn="ctr">
-              <a:buNone/>
-              <a:defRPr sz="1200"/>
+            <a:lvl6pPr marL="846049" indent="0" algn="ctr">
+              <a:buNone/>
+              <a:defRPr sz="592"/>
             </a:lvl6pPr>
-            <a:lvl7pPr marL="2057400" indent="0" algn="ctr">
-              <a:buNone/>
-              <a:defRPr sz="1200"/>
+            <a:lvl7pPr marL="1015258" indent="0" algn="ctr">
+              <a:buNone/>
+              <a:defRPr sz="592"/>
             </a:lvl7pPr>
-            <a:lvl8pPr marL="2400300" indent="0" algn="ctr">
-              <a:buNone/>
-              <a:defRPr sz="1200"/>
+            <a:lvl8pPr marL="1184468" indent="0" algn="ctr">
+              <a:buNone/>
+              <a:defRPr sz="592"/>
             </a:lvl8pPr>
-            <a:lvl9pPr marL="2743200" indent="0" algn="ctr">
-              <a:buNone/>
-              <a:defRPr sz="1200"/>
+            <a:lvl9pPr marL="1353678" indent="0" algn="ctr">
+              <a:buNone/>
+              <a:defRPr sz="592"/>
             </a:lvl9pPr>
           </a:lstStyle>
           <a:p>
             <a:r>
-              <a:rPr lang="en-US"/>
-              <a:t>Click to edit Master subtitle style</a:t>
+              <a:rPr lang="it-IT"/>
+              <a:t>Fare clic per modificare lo stile del sottotitolo dello schema</a:t>
             </a:r>
             <a:endParaRPr lang="en-US" dirty="0"/>
           </a:p>
@@ -238,7 +344,7 @@
           <a:p>
             <a:fld id="{0848591D-C236-4355-B393-0D10ED842594}" type="datetimeFigureOut">
               <a:rPr lang="en-GB" smtClean="0"/>
-              <a:t>13/09/2023</a:t>
+              <a:t>13/12/2023</a:t>
             </a:fld>
             <a:endParaRPr lang="en-GB"/>
           </a:p>
@@ -280,7 +386,7 @@
           <a:p>
             <a:fld id="{3FF9071C-1BED-494A-BD3E-E0FA1727C041}" type="slidenum">
               <a:rPr lang="en-GB" smtClean="0"/>
-              <a:t>‹#›</a:t>
+              <a:t>‹N›</a:t>
             </a:fld>
             <a:endParaRPr lang="en-GB"/>
           </a:p>
@@ -289,7 +395,7 @@
     </p:spTree>
     <p:extLst>
       <p:ext uri="{BB962C8B-B14F-4D97-AF65-F5344CB8AC3E}">
-        <p14:creationId xmlns:p14="http://schemas.microsoft.com/office/powerpoint/2010/main" val="1973911168"/>
+        <p14:creationId xmlns:p14="http://schemas.microsoft.com/office/powerpoint/2010/main" val="245500947"/>
       </p:ext>
     </p:extLst>
   </p:cSld>
@@ -301,7 +407,7 @@
 
 <file path=ppt/slideLayouts/slideLayout10.xml><?xml version="1.0" encoding="utf-8"?>
 <p:sldLayout xmlns:a="http://schemas.openxmlformats.org/drawingml/2006/main" xmlns:r="http://schemas.openxmlformats.org/officeDocument/2006/relationships" xmlns:p="http://schemas.openxmlformats.org/presentationml/2006/main" type="vertTx" preserve="1">
-  <p:cSld name="Title and Vertical Text">
+  <p:cSld name="Titolo e testo verticale">
     <p:spTree>
       <p:nvGrpSpPr>
         <p:cNvPr id="1" name=""/>
@@ -332,8 +438,8 @@
           <a:lstStyle/>
           <a:p>
             <a:r>
-              <a:rPr lang="en-US"/>
-              <a:t>Click to edit Master title style</a:t>
+              <a:rPr lang="it-IT"/>
+              <a:t>Fare clic per modificare lo stile del titolo dello schema</a:t>
             </a:r>
             <a:endParaRPr lang="en-US" dirty="0"/>
           </a:p>
@@ -356,36 +462,36 @@
           <a:p>
             <a:pPr lvl="0"/>
             <a:r>
-              <a:rPr lang="en-US"/>
-              <a:t>Click to edit Master text styles</a:t>
+              <a:rPr lang="it-IT"/>
+              <a:t>Fare clic per modificare gli stili del testo dello schema</a:t>
             </a:r>
           </a:p>
           <a:p>
             <a:pPr lvl="1"/>
             <a:r>
-              <a:rPr lang="en-US"/>
-              <a:t>Second level</a:t>
+              <a:rPr lang="it-IT"/>
+              <a:t>Secondo livello</a:t>
             </a:r>
           </a:p>
           <a:p>
             <a:pPr lvl="2"/>
             <a:r>
-              <a:rPr lang="en-US"/>
-              <a:t>Third level</a:t>
+              <a:rPr lang="it-IT"/>
+              <a:t>Terzo livello</a:t>
             </a:r>
           </a:p>
           <a:p>
             <a:pPr lvl="3"/>
             <a:r>
-              <a:rPr lang="en-US"/>
-              <a:t>Fourth level</a:t>
+              <a:rPr lang="it-IT"/>
+              <a:t>Quarto livello</a:t>
             </a:r>
           </a:p>
           <a:p>
             <a:pPr lvl="4"/>
             <a:r>
-              <a:rPr lang="en-US"/>
-              <a:t>Fifth level</a:t>
+              <a:rPr lang="it-IT"/>
+              <a:t>Quinto livello</a:t>
             </a:r>
             <a:endParaRPr lang="en-US" dirty="0"/>
           </a:p>
@@ -408,7 +514,7 @@
           <a:p>
             <a:fld id="{0848591D-C236-4355-B393-0D10ED842594}" type="datetimeFigureOut">
               <a:rPr lang="en-GB" smtClean="0"/>
-              <a:t>13/09/2023</a:t>
+              <a:t>13/12/2023</a:t>
             </a:fld>
             <a:endParaRPr lang="en-GB"/>
           </a:p>
@@ -450,7 +556,7 @@
           <a:p>
             <a:fld id="{3FF9071C-1BED-494A-BD3E-E0FA1727C041}" type="slidenum">
               <a:rPr lang="en-GB" smtClean="0"/>
-              <a:t>‹#›</a:t>
+              <a:t>‹N›</a:t>
             </a:fld>
             <a:endParaRPr lang="en-GB"/>
           </a:p>
@@ -459,7 +565,7 @@
     </p:spTree>
     <p:extLst>
       <p:ext uri="{BB962C8B-B14F-4D97-AF65-F5344CB8AC3E}">
-        <p14:creationId xmlns:p14="http://schemas.microsoft.com/office/powerpoint/2010/main" val="452091658"/>
+        <p14:creationId xmlns:p14="http://schemas.microsoft.com/office/powerpoint/2010/main" val="2011680888"/>
       </p:ext>
     </p:extLst>
   </p:cSld>
@@ -471,7 +577,7 @@
 
 <file path=ppt/slideLayouts/slideLayout11.xml><?xml version="1.0" encoding="utf-8"?>
 <p:sldLayout xmlns:a="http://schemas.openxmlformats.org/drawingml/2006/main" xmlns:r="http://schemas.openxmlformats.org/officeDocument/2006/relationships" xmlns:p="http://schemas.openxmlformats.org/presentationml/2006/main" type="vertTitleAndTx" preserve="1">
-  <p:cSld name="Vertical Title and Text">
+  <p:cSld name="1_Titolo e testo verticale">
     <p:spTree>
       <p:nvGrpSpPr>
         <p:cNvPr id="1" name=""/>
@@ -498,8 +604,8 @@
         </p:nvSpPr>
         <p:spPr>
           <a:xfrm>
-            <a:off x="4907757" y="381437"/>
-            <a:ext cx="1478756" cy="6071488"/>
+            <a:off x="2422069" y="185943"/>
+            <a:ext cx="729794" cy="2959732"/>
           </a:xfrm>
         </p:spPr>
         <p:txBody>
@@ -507,8 +613,8 @@
           <a:lstStyle/>
           <a:p>
             <a:r>
-              <a:rPr lang="en-US"/>
-              <a:t>Click to edit Master title style</a:t>
+              <a:rPr lang="it-IT"/>
+              <a:t>Fare clic per modificare lo stile del titolo dello schema</a:t>
             </a:r>
             <a:endParaRPr lang="en-US" dirty="0"/>
           </a:p>
@@ -526,8 +632,8 @@
         </p:nvSpPr>
         <p:spPr>
           <a:xfrm>
-            <a:off x="471488" y="381437"/>
-            <a:ext cx="4350544" cy="6071488"/>
+            <a:off x="232688" y="185943"/>
+            <a:ext cx="2147074" cy="2959732"/>
           </a:xfrm>
         </p:spPr>
         <p:txBody>
@@ -536,36 +642,36 @@
           <a:p>
             <a:pPr lvl="0"/>
             <a:r>
-              <a:rPr lang="en-US"/>
-              <a:t>Click to edit Master text styles</a:t>
+              <a:rPr lang="it-IT"/>
+              <a:t>Fare clic per modificare gli stili del testo dello schema</a:t>
             </a:r>
           </a:p>
           <a:p>
             <a:pPr lvl="1"/>
             <a:r>
-              <a:rPr lang="en-US"/>
-              <a:t>Second level</a:t>
+              <a:rPr lang="it-IT"/>
+              <a:t>Secondo livello</a:t>
             </a:r>
           </a:p>
           <a:p>
             <a:pPr lvl="2"/>
             <a:r>
-              <a:rPr lang="en-US"/>
-              <a:t>Third level</a:t>
+              <a:rPr lang="it-IT"/>
+              <a:t>Terzo livello</a:t>
             </a:r>
           </a:p>
           <a:p>
             <a:pPr lvl="3"/>
             <a:r>
-              <a:rPr lang="en-US"/>
-              <a:t>Fourth level</a:t>
+              <a:rPr lang="it-IT"/>
+              <a:t>Quarto livello</a:t>
             </a:r>
           </a:p>
           <a:p>
             <a:pPr lvl="4"/>
             <a:r>
-              <a:rPr lang="en-US"/>
-              <a:t>Fifth level</a:t>
+              <a:rPr lang="it-IT"/>
+              <a:t>Quinto livello</a:t>
             </a:r>
             <a:endParaRPr lang="en-US" dirty="0"/>
           </a:p>
@@ -588,7 +694,7 @@
           <a:p>
             <a:fld id="{0848591D-C236-4355-B393-0D10ED842594}" type="datetimeFigureOut">
               <a:rPr lang="en-GB" smtClean="0"/>
-              <a:t>13/09/2023</a:t>
+              <a:t>13/12/2023</a:t>
             </a:fld>
             <a:endParaRPr lang="en-GB"/>
           </a:p>
@@ -630,7 +736,7 @@
           <a:p>
             <a:fld id="{3FF9071C-1BED-494A-BD3E-E0FA1727C041}" type="slidenum">
               <a:rPr lang="en-GB" smtClean="0"/>
-              <a:t>‹#›</a:t>
+              <a:t>‹N›</a:t>
             </a:fld>
             <a:endParaRPr lang="en-GB"/>
           </a:p>
@@ -639,7 +745,7 @@
     </p:spTree>
     <p:extLst>
       <p:ext uri="{BB962C8B-B14F-4D97-AF65-F5344CB8AC3E}">
-        <p14:creationId xmlns:p14="http://schemas.microsoft.com/office/powerpoint/2010/main" val="1758344783"/>
+        <p14:creationId xmlns:p14="http://schemas.microsoft.com/office/powerpoint/2010/main" val="127689992"/>
       </p:ext>
     </p:extLst>
   </p:cSld>
@@ -651,7 +757,7 @@
 
 <file path=ppt/slideLayouts/slideLayout2.xml><?xml version="1.0" encoding="utf-8"?>
 <p:sldLayout xmlns:a="http://schemas.openxmlformats.org/drawingml/2006/main" xmlns:r="http://schemas.openxmlformats.org/officeDocument/2006/relationships" xmlns:p="http://schemas.openxmlformats.org/presentationml/2006/main" type="obj" preserve="1">
-  <p:cSld name="Title and Content">
+  <p:cSld name="Titolo e contenuto">
     <p:spTree>
       <p:nvGrpSpPr>
         <p:cNvPr id="1" name=""/>
@@ -682,8 +788,8 @@
           <a:lstStyle/>
           <a:p>
             <a:r>
-              <a:rPr lang="en-US"/>
-              <a:t>Click to edit Master title style</a:t>
+              <a:rPr lang="it-IT"/>
+              <a:t>Fare clic per modificare lo stile del titolo dello schema</a:t>
             </a:r>
             <a:endParaRPr lang="en-US" dirty="0"/>
           </a:p>
@@ -706,36 +812,36 @@
           <a:p>
             <a:pPr lvl="0"/>
             <a:r>
-              <a:rPr lang="en-US"/>
-              <a:t>Click to edit Master text styles</a:t>
+              <a:rPr lang="it-IT"/>
+              <a:t>Fare clic per modificare gli stili del testo dello schema</a:t>
             </a:r>
           </a:p>
           <a:p>
             <a:pPr lvl="1"/>
             <a:r>
-              <a:rPr lang="en-US"/>
-              <a:t>Second level</a:t>
+              <a:rPr lang="it-IT"/>
+              <a:t>Secondo livello</a:t>
             </a:r>
           </a:p>
           <a:p>
             <a:pPr lvl="2"/>
             <a:r>
-              <a:rPr lang="en-US"/>
-              <a:t>Third level</a:t>
+              <a:rPr lang="it-IT"/>
+              <a:t>Terzo livello</a:t>
             </a:r>
           </a:p>
           <a:p>
             <a:pPr lvl="3"/>
             <a:r>
-              <a:rPr lang="en-US"/>
-              <a:t>Fourth level</a:t>
+              <a:rPr lang="it-IT"/>
+              <a:t>Quarto livello</a:t>
             </a:r>
           </a:p>
           <a:p>
             <a:pPr lvl="4"/>
             <a:r>
-              <a:rPr lang="en-US"/>
-              <a:t>Fifth level</a:t>
+              <a:rPr lang="it-IT"/>
+              <a:t>Quinto livello</a:t>
             </a:r>
             <a:endParaRPr lang="en-US" dirty="0"/>
           </a:p>
@@ -758,7 +864,7 @@
           <a:p>
             <a:fld id="{0848591D-C236-4355-B393-0D10ED842594}" type="datetimeFigureOut">
               <a:rPr lang="en-GB" smtClean="0"/>
-              <a:t>13/09/2023</a:t>
+              <a:t>13/12/2023</a:t>
             </a:fld>
             <a:endParaRPr lang="en-GB"/>
           </a:p>
@@ -800,7 +906,7 @@
           <a:p>
             <a:fld id="{3FF9071C-1BED-494A-BD3E-E0FA1727C041}" type="slidenum">
               <a:rPr lang="en-GB" smtClean="0"/>
-              <a:t>‹#›</a:t>
+              <a:t>‹N›</a:t>
             </a:fld>
             <a:endParaRPr lang="en-GB"/>
           </a:p>
@@ -809,7 +915,7 @@
     </p:spTree>
     <p:extLst>
       <p:ext uri="{BB962C8B-B14F-4D97-AF65-F5344CB8AC3E}">
-        <p14:creationId xmlns:p14="http://schemas.microsoft.com/office/powerpoint/2010/main" val="543734100"/>
+        <p14:creationId xmlns:p14="http://schemas.microsoft.com/office/powerpoint/2010/main" val="1684809668"/>
       </p:ext>
     </p:extLst>
   </p:cSld>
@@ -821,7 +927,7 @@
 
 <file path=ppt/slideLayouts/slideLayout3.xml><?xml version="1.0" encoding="utf-8"?>
 <p:sldLayout xmlns:a="http://schemas.openxmlformats.org/drawingml/2006/main" xmlns:r="http://schemas.openxmlformats.org/officeDocument/2006/relationships" xmlns:p="http://schemas.openxmlformats.org/presentationml/2006/main" type="secHead" preserve="1">
-  <p:cSld name="Section Header">
+  <p:cSld name="Intestazione sezione">
     <p:spTree>
       <p:nvGrpSpPr>
         <p:cNvPr id="1" name=""/>
@@ -848,21 +954,21 @@
         </p:nvSpPr>
         <p:spPr>
           <a:xfrm>
-            <a:off x="467916" y="1786124"/>
-            <a:ext cx="5915025" cy="2980186"/>
+            <a:off x="230925" y="870701"/>
+            <a:ext cx="2919174" cy="1452783"/>
           </a:xfrm>
         </p:spPr>
         <p:txBody>
           <a:bodyPr anchor="b"/>
           <a:lstStyle>
             <a:lvl1pPr>
-              <a:defRPr sz="4500"/>
+              <a:defRPr sz="2221"/>
             </a:lvl1pPr>
           </a:lstStyle>
           <a:p>
             <a:r>
-              <a:rPr lang="en-US"/>
-              <a:t>Click to edit Master title style</a:t>
+              <a:rPr lang="it-IT"/>
+              <a:t>Fare clic per modificare lo stile del titolo dello schema</a:t>
             </a:r>
             <a:endParaRPr lang="en-US" dirty="0"/>
           </a:p>
@@ -880,8 +986,8 @@
         </p:nvSpPr>
         <p:spPr>
           <a:xfrm>
-            <a:off x="467916" y="4794504"/>
-            <a:ext cx="5915025" cy="1567209"/>
+            <a:off x="230925" y="2337227"/>
+            <a:ext cx="2919174" cy="763984"/>
           </a:xfrm>
         </p:spPr>
         <p:txBody>
@@ -889,15 +995,15 @@
           <a:lstStyle>
             <a:lvl1pPr marL="0" indent="0">
               <a:buNone/>
-              <a:defRPr sz="1800">
+              <a:defRPr sz="888">
                 <a:solidFill>
                   <a:schemeClr val="tx1"/>
                 </a:solidFill>
               </a:defRPr>
             </a:lvl1pPr>
-            <a:lvl2pPr marL="342900" indent="0">
-              <a:buNone/>
-              <a:defRPr sz="1500">
+            <a:lvl2pPr marL="169210" indent="0">
+              <a:buNone/>
+              <a:defRPr sz="740">
                 <a:solidFill>
                   <a:schemeClr val="tx1">
                     <a:tint val="75000"/>
@@ -905,9 +1011,9 @@
                 </a:solidFill>
               </a:defRPr>
             </a:lvl2pPr>
-            <a:lvl3pPr marL="685800" indent="0">
-              <a:buNone/>
-              <a:defRPr sz="1350">
+            <a:lvl3pPr marL="338419" indent="0">
+              <a:buNone/>
+              <a:defRPr sz="666">
                 <a:solidFill>
                   <a:schemeClr val="tx1">
                     <a:tint val="75000"/>
@@ -915,9 +1021,9 @@
                 </a:solidFill>
               </a:defRPr>
             </a:lvl3pPr>
-            <a:lvl4pPr marL="1028700" indent="0">
-              <a:buNone/>
-              <a:defRPr sz="1200">
+            <a:lvl4pPr marL="507629" indent="0">
+              <a:buNone/>
+              <a:defRPr sz="592">
                 <a:solidFill>
                   <a:schemeClr val="tx1">
                     <a:tint val="75000"/>
@@ -925,9 +1031,9 @@
                 </a:solidFill>
               </a:defRPr>
             </a:lvl4pPr>
-            <a:lvl5pPr marL="1371600" indent="0">
-              <a:buNone/>
-              <a:defRPr sz="1200">
+            <a:lvl5pPr marL="676839" indent="0">
+              <a:buNone/>
+              <a:defRPr sz="592">
                 <a:solidFill>
                   <a:schemeClr val="tx1">
                     <a:tint val="75000"/>
@@ -935,9 +1041,9 @@
                 </a:solidFill>
               </a:defRPr>
             </a:lvl5pPr>
-            <a:lvl6pPr marL="1714500" indent="0">
-              <a:buNone/>
-              <a:defRPr sz="1200">
+            <a:lvl6pPr marL="846049" indent="0">
+              <a:buNone/>
+              <a:defRPr sz="592">
                 <a:solidFill>
                   <a:schemeClr val="tx1">
                     <a:tint val="75000"/>
@@ -945,9 +1051,9 @@
                 </a:solidFill>
               </a:defRPr>
             </a:lvl6pPr>
-            <a:lvl7pPr marL="2057400" indent="0">
-              <a:buNone/>
-              <a:defRPr sz="1200">
+            <a:lvl7pPr marL="1015258" indent="0">
+              <a:buNone/>
+              <a:defRPr sz="592">
                 <a:solidFill>
                   <a:schemeClr val="tx1">
                     <a:tint val="75000"/>
@@ -955,9 +1061,9 @@
                 </a:solidFill>
               </a:defRPr>
             </a:lvl7pPr>
-            <a:lvl8pPr marL="2400300" indent="0">
-              <a:buNone/>
-              <a:defRPr sz="1200">
+            <a:lvl8pPr marL="1184468" indent="0">
+              <a:buNone/>
+              <a:defRPr sz="592">
                 <a:solidFill>
                   <a:schemeClr val="tx1">
                     <a:tint val="75000"/>
@@ -965,9 +1071,9 @@
                 </a:solidFill>
               </a:defRPr>
             </a:lvl8pPr>
-            <a:lvl9pPr marL="2743200" indent="0">
-              <a:buNone/>
-              <a:defRPr sz="1200">
+            <a:lvl9pPr marL="1353678" indent="0">
+              <a:buNone/>
+              <a:defRPr sz="592">
                 <a:solidFill>
                   <a:schemeClr val="tx1">
                     <a:tint val="75000"/>
@@ -979,8 +1085,8 @@
           <a:p>
             <a:pPr lvl="0"/>
             <a:r>
-              <a:rPr lang="en-US"/>
-              <a:t>Click to edit Master text styles</a:t>
+              <a:rPr lang="it-IT"/>
+              <a:t>Fare clic per modificare gli stili del testo dello schema</a:t>
             </a:r>
           </a:p>
         </p:txBody>
@@ -1002,7 +1108,7 @@
           <a:p>
             <a:fld id="{0848591D-C236-4355-B393-0D10ED842594}" type="datetimeFigureOut">
               <a:rPr lang="en-GB" smtClean="0"/>
-              <a:t>13/09/2023</a:t>
+              <a:t>13/12/2023</a:t>
             </a:fld>
             <a:endParaRPr lang="en-GB"/>
           </a:p>
@@ -1044,7 +1150,7 @@
           <a:p>
             <a:fld id="{3FF9071C-1BED-494A-BD3E-E0FA1727C041}" type="slidenum">
               <a:rPr lang="en-GB" smtClean="0"/>
-              <a:t>‹#›</a:t>
+              <a:t>‹N›</a:t>
             </a:fld>
             <a:endParaRPr lang="en-GB"/>
           </a:p>
@@ -1053,7 +1159,7 @@
     </p:spTree>
     <p:extLst>
       <p:ext uri="{BB962C8B-B14F-4D97-AF65-F5344CB8AC3E}">
-        <p14:creationId xmlns:p14="http://schemas.microsoft.com/office/powerpoint/2010/main" val="329942278"/>
+        <p14:creationId xmlns:p14="http://schemas.microsoft.com/office/powerpoint/2010/main" val="3306385068"/>
       </p:ext>
     </p:extLst>
   </p:cSld>
@@ -1065,7 +1171,7 @@
 
 <file path=ppt/slideLayouts/slideLayout4.xml><?xml version="1.0" encoding="utf-8"?>
 <p:sldLayout xmlns:a="http://schemas.openxmlformats.org/drawingml/2006/main" xmlns:r="http://schemas.openxmlformats.org/officeDocument/2006/relationships" xmlns:p="http://schemas.openxmlformats.org/presentationml/2006/main" type="twoObj" preserve="1">
-  <p:cSld name="Two Content">
+  <p:cSld name="Due contenuti">
     <p:spTree>
       <p:nvGrpSpPr>
         <p:cNvPr id="1" name=""/>
@@ -1096,8 +1202,8 @@
           <a:lstStyle/>
           <a:p>
             <a:r>
-              <a:rPr lang="en-US"/>
-              <a:t>Click to edit Master title style</a:t>
+              <a:rPr lang="it-IT"/>
+              <a:t>Fare clic per modificare lo stile del titolo dello schema</a:t>
             </a:r>
             <a:endParaRPr lang="en-US" dirty="0"/>
           </a:p>
@@ -1115,8 +1221,8 @@
         </p:nvSpPr>
         <p:spPr>
           <a:xfrm>
-            <a:off x="471488" y="1907187"/>
-            <a:ext cx="2914650" cy="4545738"/>
+            <a:off x="232688" y="929717"/>
+            <a:ext cx="1438434" cy="2215959"/>
           </a:xfrm>
         </p:spPr>
         <p:txBody>
@@ -1125,36 +1231,36 @@
           <a:p>
             <a:pPr lvl="0"/>
             <a:r>
-              <a:rPr lang="en-US"/>
-              <a:t>Click to edit Master text styles</a:t>
+              <a:rPr lang="it-IT"/>
+              <a:t>Fare clic per modificare gli stili del testo dello schema</a:t>
             </a:r>
           </a:p>
           <a:p>
             <a:pPr lvl="1"/>
             <a:r>
-              <a:rPr lang="en-US"/>
-              <a:t>Second level</a:t>
+              <a:rPr lang="it-IT"/>
+              <a:t>Secondo livello</a:t>
             </a:r>
           </a:p>
           <a:p>
             <a:pPr lvl="2"/>
             <a:r>
-              <a:rPr lang="en-US"/>
-              <a:t>Third level</a:t>
+              <a:rPr lang="it-IT"/>
+              <a:t>Terzo livello</a:t>
             </a:r>
           </a:p>
           <a:p>
             <a:pPr lvl="3"/>
             <a:r>
-              <a:rPr lang="en-US"/>
-              <a:t>Fourth level</a:t>
+              <a:rPr lang="it-IT"/>
+              <a:t>Quarto livello</a:t>
             </a:r>
           </a:p>
           <a:p>
             <a:pPr lvl="4"/>
             <a:r>
-              <a:rPr lang="en-US"/>
-              <a:t>Fifth level</a:t>
+              <a:rPr lang="it-IT"/>
+              <a:t>Quinto livello</a:t>
             </a:r>
             <a:endParaRPr lang="en-US" dirty="0"/>
           </a:p>
@@ -1172,8 +1278,8 @@
         </p:nvSpPr>
         <p:spPr>
           <a:xfrm>
-            <a:off x="3471863" y="1907187"/>
-            <a:ext cx="2914650" cy="4545738"/>
+            <a:off x="1713428" y="929717"/>
+            <a:ext cx="1438434" cy="2215959"/>
           </a:xfrm>
         </p:spPr>
         <p:txBody>
@@ -1182,36 +1288,36 @@
           <a:p>
             <a:pPr lvl="0"/>
             <a:r>
-              <a:rPr lang="en-US"/>
-              <a:t>Click to edit Master text styles</a:t>
+              <a:rPr lang="it-IT"/>
+              <a:t>Fare clic per modificare gli stili del testo dello schema</a:t>
             </a:r>
           </a:p>
           <a:p>
             <a:pPr lvl="1"/>
             <a:r>
-              <a:rPr lang="en-US"/>
-              <a:t>Second level</a:t>
+              <a:rPr lang="it-IT"/>
+              <a:t>Secondo livello</a:t>
             </a:r>
           </a:p>
           <a:p>
             <a:pPr lvl="2"/>
             <a:r>
-              <a:rPr lang="en-US"/>
-              <a:t>Third level</a:t>
+              <a:rPr lang="it-IT"/>
+              <a:t>Terzo livello</a:t>
             </a:r>
           </a:p>
           <a:p>
             <a:pPr lvl="3"/>
             <a:r>
-              <a:rPr lang="en-US"/>
-              <a:t>Fourth level</a:t>
+              <a:rPr lang="it-IT"/>
+              <a:t>Quarto livello</a:t>
             </a:r>
           </a:p>
           <a:p>
             <a:pPr lvl="4"/>
             <a:r>
-              <a:rPr lang="en-US"/>
-              <a:t>Fifth level</a:t>
+              <a:rPr lang="it-IT"/>
+              <a:t>Quinto livello</a:t>
             </a:r>
             <a:endParaRPr lang="en-US" dirty="0"/>
           </a:p>
@@ -1234,7 +1340,7 @@
           <a:p>
             <a:fld id="{0848591D-C236-4355-B393-0D10ED842594}" type="datetimeFigureOut">
               <a:rPr lang="en-GB" smtClean="0"/>
-              <a:t>13/09/2023</a:t>
+              <a:t>13/12/2023</a:t>
             </a:fld>
             <a:endParaRPr lang="en-GB"/>
           </a:p>
@@ -1276,7 +1382,7 @@
           <a:p>
             <a:fld id="{3FF9071C-1BED-494A-BD3E-E0FA1727C041}" type="slidenum">
               <a:rPr lang="en-GB" smtClean="0"/>
-              <a:t>‹#›</a:t>
+              <a:t>‹N›</a:t>
             </a:fld>
             <a:endParaRPr lang="en-GB"/>
           </a:p>
@@ -1285,7 +1391,7 @@
     </p:spTree>
     <p:extLst>
       <p:ext uri="{BB962C8B-B14F-4D97-AF65-F5344CB8AC3E}">
-        <p14:creationId xmlns:p14="http://schemas.microsoft.com/office/powerpoint/2010/main" val="3913724211"/>
+        <p14:creationId xmlns:p14="http://schemas.microsoft.com/office/powerpoint/2010/main" val="2385993190"/>
       </p:ext>
     </p:extLst>
   </p:cSld>
@@ -1297,7 +1403,7 @@
 
 <file path=ppt/slideLayouts/slideLayout5.xml><?xml version="1.0" encoding="utf-8"?>
 <p:sldLayout xmlns:a="http://schemas.openxmlformats.org/drawingml/2006/main" xmlns:r="http://schemas.openxmlformats.org/officeDocument/2006/relationships" xmlns:p="http://schemas.openxmlformats.org/presentationml/2006/main" type="twoTxTwoObj" preserve="1">
-  <p:cSld name="Comparison">
+  <p:cSld name="Confronto">
     <p:spTree>
       <p:nvGrpSpPr>
         <p:cNvPr id="1" name=""/>
@@ -1324,8 +1430,8 @@
         </p:nvSpPr>
         <p:spPr>
           <a:xfrm>
-            <a:off x="472381" y="381439"/>
-            <a:ext cx="5915025" cy="1384784"/>
+            <a:off x="233129" y="185944"/>
+            <a:ext cx="2919174" cy="675055"/>
           </a:xfrm>
         </p:spPr>
         <p:txBody>
@@ -1333,8 +1439,8 @@
           <a:lstStyle/>
           <a:p>
             <a:r>
-              <a:rPr lang="en-US"/>
-              <a:t>Click to edit Master title style</a:t>
+              <a:rPr lang="it-IT"/>
+              <a:t>Fare clic per modificare lo stile del titolo dello schema</a:t>
             </a:r>
             <a:endParaRPr lang="en-US" dirty="0"/>
           </a:p>
@@ -1352,8 +1458,8 @@
         </p:nvSpPr>
         <p:spPr>
           <a:xfrm>
-            <a:off x="472381" y="1756271"/>
-            <a:ext cx="2901255" cy="860721"/>
+            <a:off x="233129" y="856148"/>
+            <a:ext cx="1431823" cy="419585"/>
           </a:xfrm>
         </p:spPr>
         <p:txBody>
@@ -1361,46 +1467,46 @@
           <a:lstStyle>
             <a:lvl1pPr marL="0" indent="0">
               <a:buNone/>
-              <a:defRPr sz="1800" b="1"/>
+              <a:defRPr sz="888" b="1"/>
             </a:lvl1pPr>
-            <a:lvl2pPr marL="342900" indent="0">
-              <a:buNone/>
-              <a:defRPr sz="1500" b="1"/>
+            <a:lvl2pPr marL="169210" indent="0">
+              <a:buNone/>
+              <a:defRPr sz="740" b="1"/>
             </a:lvl2pPr>
-            <a:lvl3pPr marL="685800" indent="0">
-              <a:buNone/>
-              <a:defRPr sz="1350" b="1"/>
+            <a:lvl3pPr marL="338419" indent="0">
+              <a:buNone/>
+              <a:defRPr sz="666" b="1"/>
             </a:lvl3pPr>
-            <a:lvl4pPr marL="1028700" indent="0">
-              <a:buNone/>
-              <a:defRPr sz="1200" b="1"/>
+            <a:lvl4pPr marL="507629" indent="0">
+              <a:buNone/>
+              <a:defRPr sz="592" b="1"/>
             </a:lvl4pPr>
-            <a:lvl5pPr marL="1371600" indent="0">
-              <a:buNone/>
-              <a:defRPr sz="1200" b="1"/>
+            <a:lvl5pPr marL="676839" indent="0">
+              <a:buNone/>
+              <a:defRPr sz="592" b="1"/>
             </a:lvl5pPr>
-            <a:lvl6pPr marL="1714500" indent="0">
-              <a:buNone/>
-              <a:defRPr sz="1200" b="1"/>
+            <a:lvl6pPr marL="846049" indent="0">
+              <a:buNone/>
+              <a:defRPr sz="592" b="1"/>
             </a:lvl6pPr>
-            <a:lvl7pPr marL="2057400" indent="0">
-              <a:buNone/>
-              <a:defRPr sz="1200" b="1"/>
+            <a:lvl7pPr marL="1015258" indent="0">
+              <a:buNone/>
+              <a:defRPr sz="592" b="1"/>
             </a:lvl7pPr>
-            <a:lvl8pPr marL="2400300" indent="0">
-              <a:buNone/>
-              <a:defRPr sz="1200" b="1"/>
+            <a:lvl8pPr marL="1184468" indent="0">
+              <a:buNone/>
+              <a:defRPr sz="592" b="1"/>
             </a:lvl8pPr>
-            <a:lvl9pPr marL="2743200" indent="0">
-              <a:buNone/>
-              <a:defRPr sz="1200" b="1"/>
+            <a:lvl9pPr marL="1353678" indent="0">
+              <a:buNone/>
+              <a:defRPr sz="592" b="1"/>
             </a:lvl9pPr>
           </a:lstStyle>
           <a:p>
             <a:pPr lvl="0"/>
             <a:r>
-              <a:rPr lang="en-US"/>
-              <a:t>Click to edit Master text styles</a:t>
+              <a:rPr lang="it-IT"/>
+              <a:t>Fare clic per modificare gli stili del testo dello schema</a:t>
             </a:r>
           </a:p>
         </p:txBody>
@@ -1417,8 +1523,8 @@
         </p:nvSpPr>
         <p:spPr>
           <a:xfrm>
-            <a:off x="472381" y="2616992"/>
-            <a:ext cx="2901255" cy="3849201"/>
+            <a:off x="233129" y="1275732"/>
+            <a:ext cx="1431823" cy="1876411"/>
           </a:xfrm>
         </p:spPr>
         <p:txBody>
@@ -1427,36 +1533,36 @@
           <a:p>
             <a:pPr lvl="0"/>
             <a:r>
-              <a:rPr lang="en-US"/>
-              <a:t>Click to edit Master text styles</a:t>
+              <a:rPr lang="it-IT"/>
+              <a:t>Fare clic per modificare gli stili del testo dello schema</a:t>
             </a:r>
           </a:p>
           <a:p>
             <a:pPr lvl="1"/>
             <a:r>
-              <a:rPr lang="en-US"/>
-              <a:t>Second level</a:t>
+              <a:rPr lang="it-IT"/>
+              <a:t>Secondo livello</a:t>
             </a:r>
           </a:p>
           <a:p>
             <a:pPr lvl="2"/>
             <a:r>
-              <a:rPr lang="en-US"/>
-              <a:t>Third level</a:t>
+              <a:rPr lang="it-IT"/>
+              <a:t>Terzo livello</a:t>
             </a:r>
           </a:p>
           <a:p>
             <a:pPr lvl="3"/>
             <a:r>
-              <a:rPr lang="en-US"/>
-              <a:t>Fourth level</a:t>
+              <a:rPr lang="it-IT"/>
+              <a:t>Quarto livello</a:t>
             </a:r>
           </a:p>
           <a:p>
             <a:pPr lvl="4"/>
             <a:r>
-              <a:rPr lang="en-US"/>
-              <a:t>Fifth level</a:t>
+              <a:rPr lang="it-IT"/>
+              <a:t>Quinto livello</a:t>
             </a:r>
             <a:endParaRPr lang="en-US" dirty="0"/>
           </a:p>
@@ -1474,8 +1580,8 @@
         </p:nvSpPr>
         <p:spPr>
           <a:xfrm>
-            <a:off x="3471863" y="1756271"/>
-            <a:ext cx="2915543" cy="860721"/>
+            <a:off x="1713428" y="856148"/>
+            <a:ext cx="1438875" cy="419585"/>
           </a:xfrm>
         </p:spPr>
         <p:txBody>
@@ -1483,46 +1589,46 @@
           <a:lstStyle>
             <a:lvl1pPr marL="0" indent="0">
               <a:buNone/>
-              <a:defRPr sz="1800" b="1"/>
+              <a:defRPr sz="888" b="1"/>
             </a:lvl1pPr>
-            <a:lvl2pPr marL="342900" indent="0">
-              <a:buNone/>
-              <a:defRPr sz="1500" b="1"/>
+            <a:lvl2pPr marL="169210" indent="0">
+              <a:buNone/>
+              <a:defRPr sz="740" b="1"/>
             </a:lvl2pPr>
-            <a:lvl3pPr marL="685800" indent="0">
-              <a:buNone/>
-              <a:defRPr sz="1350" b="1"/>
+            <a:lvl3pPr marL="338419" indent="0">
+              <a:buNone/>
+              <a:defRPr sz="666" b="1"/>
             </a:lvl3pPr>
-            <a:lvl4pPr marL="1028700" indent="0">
-              <a:buNone/>
-              <a:defRPr sz="1200" b="1"/>
+            <a:lvl4pPr marL="507629" indent="0">
+              <a:buNone/>
+              <a:defRPr sz="592" b="1"/>
             </a:lvl4pPr>
-            <a:lvl5pPr marL="1371600" indent="0">
-              <a:buNone/>
-              <a:defRPr sz="1200" b="1"/>
+            <a:lvl5pPr marL="676839" indent="0">
+              <a:buNone/>
+              <a:defRPr sz="592" b="1"/>
             </a:lvl5pPr>
-            <a:lvl6pPr marL="1714500" indent="0">
-              <a:buNone/>
-              <a:defRPr sz="1200" b="1"/>
+            <a:lvl6pPr marL="846049" indent="0">
+              <a:buNone/>
+              <a:defRPr sz="592" b="1"/>
             </a:lvl6pPr>
-            <a:lvl7pPr marL="2057400" indent="0">
-              <a:buNone/>
-              <a:defRPr sz="1200" b="1"/>
+            <a:lvl7pPr marL="1015258" indent="0">
+              <a:buNone/>
+              <a:defRPr sz="592" b="1"/>
             </a:lvl7pPr>
-            <a:lvl8pPr marL="2400300" indent="0">
-              <a:buNone/>
-              <a:defRPr sz="1200" b="1"/>
+            <a:lvl8pPr marL="1184468" indent="0">
+              <a:buNone/>
+              <a:defRPr sz="592" b="1"/>
             </a:lvl8pPr>
-            <a:lvl9pPr marL="2743200" indent="0">
-              <a:buNone/>
-              <a:defRPr sz="1200" b="1"/>
+            <a:lvl9pPr marL="1353678" indent="0">
+              <a:buNone/>
+              <a:defRPr sz="592" b="1"/>
             </a:lvl9pPr>
           </a:lstStyle>
           <a:p>
             <a:pPr lvl="0"/>
             <a:r>
-              <a:rPr lang="en-US"/>
-              <a:t>Click to edit Master text styles</a:t>
+              <a:rPr lang="it-IT"/>
+              <a:t>Fare clic per modificare gli stili del testo dello schema</a:t>
             </a:r>
           </a:p>
         </p:txBody>
@@ -1539,8 +1645,8 @@
         </p:nvSpPr>
         <p:spPr>
           <a:xfrm>
-            <a:off x="3471863" y="2616992"/>
-            <a:ext cx="2915543" cy="3849201"/>
+            <a:off x="1713428" y="1275732"/>
+            <a:ext cx="1438875" cy="1876411"/>
           </a:xfrm>
         </p:spPr>
         <p:txBody>
@@ -1549,36 +1655,36 @@
           <a:p>
             <a:pPr lvl="0"/>
             <a:r>
-              <a:rPr lang="en-US"/>
-              <a:t>Click to edit Master text styles</a:t>
+              <a:rPr lang="it-IT"/>
+              <a:t>Fare clic per modificare gli stili del testo dello schema</a:t>
             </a:r>
           </a:p>
           <a:p>
             <a:pPr lvl="1"/>
             <a:r>
-              <a:rPr lang="en-US"/>
-              <a:t>Second level</a:t>
+              <a:rPr lang="it-IT"/>
+              <a:t>Secondo livello</a:t>
             </a:r>
           </a:p>
           <a:p>
             <a:pPr lvl="2"/>
             <a:r>
-              <a:rPr lang="en-US"/>
-              <a:t>Third level</a:t>
+              <a:rPr lang="it-IT"/>
+              <a:t>Terzo livello</a:t>
             </a:r>
           </a:p>
           <a:p>
             <a:pPr lvl="3"/>
             <a:r>
-              <a:rPr lang="en-US"/>
-              <a:t>Fourth level</a:t>
+              <a:rPr lang="it-IT"/>
+              <a:t>Quarto livello</a:t>
             </a:r>
           </a:p>
           <a:p>
             <a:pPr lvl="4"/>
             <a:r>
-              <a:rPr lang="en-US"/>
-              <a:t>Fifth level</a:t>
+              <a:rPr lang="it-IT"/>
+              <a:t>Quinto livello</a:t>
             </a:r>
             <a:endParaRPr lang="en-US" dirty="0"/>
           </a:p>
@@ -1601,7 +1707,7 @@
           <a:p>
             <a:fld id="{0848591D-C236-4355-B393-0D10ED842594}" type="datetimeFigureOut">
               <a:rPr lang="en-GB" smtClean="0"/>
-              <a:t>13/09/2023</a:t>
+              <a:t>13/12/2023</a:t>
             </a:fld>
             <a:endParaRPr lang="en-GB"/>
           </a:p>
@@ -1643,7 +1749,7 @@
           <a:p>
             <a:fld id="{3FF9071C-1BED-494A-BD3E-E0FA1727C041}" type="slidenum">
               <a:rPr lang="en-GB" smtClean="0"/>
-              <a:t>‹#›</a:t>
+              <a:t>‹N›</a:t>
             </a:fld>
             <a:endParaRPr lang="en-GB"/>
           </a:p>
@@ -1652,7 +1758,7 @@
     </p:spTree>
     <p:extLst>
       <p:ext uri="{BB962C8B-B14F-4D97-AF65-F5344CB8AC3E}">
-        <p14:creationId xmlns:p14="http://schemas.microsoft.com/office/powerpoint/2010/main" val="2512359691"/>
+        <p14:creationId xmlns:p14="http://schemas.microsoft.com/office/powerpoint/2010/main" val="381143349"/>
       </p:ext>
     </p:extLst>
   </p:cSld>
@@ -1664,7 +1770,7 @@
 
 <file path=ppt/slideLayouts/slideLayout6.xml><?xml version="1.0" encoding="utf-8"?>
 <p:sldLayout xmlns:a="http://schemas.openxmlformats.org/drawingml/2006/main" xmlns:r="http://schemas.openxmlformats.org/officeDocument/2006/relationships" xmlns:p="http://schemas.openxmlformats.org/presentationml/2006/main" type="titleOnly" preserve="1">
-  <p:cSld name="Title Only">
+  <p:cSld name="Solo titolo">
     <p:spTree>
       <p:nvGrpSpPr>
         <p:cNvPr id="1" name=""/>
@@ -1695,8 +1801,8 @@
           <a:lstStyle/>
           <a:p>
             <a:r>
-              <a:rPr lang="en-US"/>
-              <a:t>Click to edit Master title style</a:t>
+              <a:rPr lang="it-IT"/>
+              <a:t>Fare clic per modificare lo stile del titolo dello schema</a:t>
             </a:r>
             <a:endParaRPr lang="en-US" dirty="0"/>
           </a:p>
@@ -1719,7 +1825,7 @@
           <a:p>
             <a:fld id="{0848591D-C236-4355-B393-0D10ED842594}" type="datetimeFigureOut">
               <a:rPr lang="en-GB" smtClean="0"/>
-              <a:t>13/09/2023</a:t>
+              <a:t>13/12/2023</a:t>
             </a:fld>
             <a:endParaRPr lang="en-GB"/>
           </a:p>
@@ -1761,7 +1867,7 @@
           <a:p>
             <a:fld id="{3FF9071C-1BED-494A-BD3E-E0FA1727C041}" type="slidenum">
               <a:rPr lang="en-GB" smtClean="0"/>
-              <a:t>‹#›</a:t>
+              <a:t>‹N›</a:t>
             </a:fld>
             <a:endParaRPr lang="en-GB"/>
           </a:p>
@@ -1770,7 +1876,7 @@
     </p:spTree>
     <p:extLst>
       <p:ext uri="{BB962C8B-B14F-4D97-AF65-F5344CB8AC3E}">
-        <p14:creationId xmlns:p14="http://schemas.microsoft.com/office/powerpoint/2010/main" val="1096929791"/>
+        <p14:creationId xmlns:p14="http://schemas.microsoft.com/office/powerpoint/2010/main" val="2890444017"/>
       </p:ext>
     </p:extLst>
   </p:cSld>
@@ -1782,7 +1888,7 @@
 
 <file path=ppt/slideLayouts/slideLayout7.xml><?xml version="1.0" encoding="utf-8"?>
 <p:sldLayout xmlns:a="http://schemas.openxmlformats.org/drawingml/2006/main" xmlns:r="http://schemas.openxmlformats.org/officeDocument/2006/relationships" xmlns:p="http://schemas.openxmlformats.org/presentationml/2006/main" type="blank" preserve="1">
-  <p:cSld name="Blank">
+  <p:cSld name="Vuota">
     <p:spTree>
       <p:nvGrpSpPr>
         <p:cNvPr id="1" name=""/>
@@ -1814,7 +1920,7 @@
           <a:p>
             <a:fld id="{0848591D-C236-4355-B393-0D10ED842594}" type="datetimeFigureOut">
               <a:rPr lang="en-GB" smtClean="0"/>
-              <a:t>13/09/2023</a:t>
+              <a:t>13/12/2023</a:t>
             </a:fld>
             <a:endParaRPr lang="en-GB"/>
           </a:p>
@@ -1856,7 +1962,7 @@
           <a:p>
             <a:fld id="{3FF9071C-1BED-494A-BD3E-E0FA1727C041}" type="slidenum">
               <a:rPr lang="en-GB" smtClean="0"/>
-              <a:t>‹#›</a:t>
+              <a:t>‹N›</a:t>
             </a:fld>
             <a:endParaRPr lang="en-GB"/>
           </a:p>
@@ -1865,7 +1971,7 @@
     </p:spTree>
     <p:extLst>
       <p:ext uri="{BB962C8B-B14F-4D97-AF65-F5344CB8AC3E}">
-        <p14:creationId xmlns:p14="http://schemas.microsoft.com/office/powerpoint/2010/main" val="326338687"/>
+        <p14:creationId xmlns:p14="http://schemas.microsoft.com/office/powerpoint/2010/main" val="924003269"/>
       </p:ext>
     </p:extLst>
   </p:cSld>
@@ -1877,7 +1983,7 @@
 
 <file path=ppt/slideLayouts/slideLayout8.xml><?xml version="1.0" encoding="utf-8"?>
 <p:sldLayout xmlns:a="http://schemas.openxmlformats.org/drawingml/2006/main" xmlns:r="http://schemas.openxmlformats.org/officeDocument/2006/relationships" xmlns:p="http://schemas.openxmlformats.org/presentationml/2006/main" type="objTx" preserve="1">
-  <p:cSld name="Content with Caption">
+  <p:cSld name="Contenuto con didascalia">
     <p:spTree>
       <p:nvGrpSpPr>
         <p:cNvPr id="1" name=""/>
@@ -1904,21 +2010,21 @@
         </p:nvSpPr>
         <p:spPr>
           <a:xfrm>
-            <a:off x="472381" y="477626"/>
-            <a:ext cx="2211884" cy="1671691"/>
+            <a:off x="233129" y="232833"/>
+            <a:ext cx="1091605" cy="814917"/>
           </a:xfrm>
         </p:spPr>
         <p:txBody>
           <a:bodyPr anchor="b"/>
           <a:lstStyle>
             <a:lvl1pPr>
-              <a:defRPr sz="2400"/>
+              <a:defRPr sz="1184"/>
             </a:lvl1pPr>
           </a:lstStyle>
           <a:p>
             <a:r>
-              <a:rPr lang="en-US"/>
-              <a:t>Click to edit Master title style</a:t>
+              <a:rPr lang="it-IT"/>
+              <a:t>Fare clic per modificare lo stile del titolo dello schema</a:t>
             </a:r>
             <a:endParaRPr lang="en-US" dirty="0"/>
           </a:p>
@@ -1936,74 +2042,74 @@
         </p:nvSpPr>
         <p:spPr>
           <a:xfrm>
-            <a:off x="2915543" y="1031541"/>
-            <a:ext cx="3471863" cy="5091359"/>
+            <a:off x="1438875" y="502856"/>
+            <a:ext cx="1713428" cy="2481939"/>
           </a:xfrm>
         </p:spPr>
         <p:txBody>
           <a:bodyPr/>
           <a:lstStyle>
             <a:lvl1pPr>
-              <a:defRPr sz="2400"/>
+              <a:defRPr sz="1184"/>
             </a:lvl1pPr>
             <a:lvl2pPr>
-              <a:defRPr sz="2100"/>
+              <a:defRPr sz="1036"/>
             </a:lvl2pPr>
             <a:lvl3pPr>
-              <a:defRPr sz="1800"/>
+              <a:defRPr sz="888"/>
             </a:lvl3pPr>
             <a:lvl4pPr>
-              <a:defRPr sz="1500"/>
+              <a:defRPr sz="740"/>
             </a:lvl4pPr>
             <a:lvl5pPr>
-              <a:defRPr sz="1500"/>
+              <a:defRPr sz="740"/>
             </a:lvl5pPr>
             <a:lvl6pPr>
-              <a:defRPr sz="1500"/>
+              <a:defRPr sz="740"/>
             </a:lvl6pPr>
             <a:lvl7pPr>
-              <a:defRPr sz="1500"/>
+              <a:defRPr sz="740"/>
             </a:lvl7pPr>
             <a:lvl8pPr>
-              <a:defRPr sz="1500"/>
+              <a:defRPr sz="740"/>
             </a:lvl8pPr>
             <a:lvl9pPr>
-              <a:defRPr sz="1500"/>
+              <a:defRPr sz="740"/>
             </a:lvl9pPr>
           </a:lstStyle>
           <a:p>
             <a:pPr lvl="0"/>
             <a:r>
-              <a:rPr lang="en-US"/>
-              <a:t>Click to edit Master text styles</a:t>
+              <a:rPr lang="it-IT"/>
+              <a:t>Fare clic per modificare gli stili del testo dello schema</a:t>
             </a:r>
           </a:p>
           <a:p>
             <a:pPr lvl="1"/>
             <a:r>
-              <a:rPr lang="en-US"/>
-              <a:t>Second level</a:t>
+              <a:rPr lang="it-IT"/>
+              <a:t>Secondo livello</a:t>
             </a:r>
           </a:p>
           <a:p>
             <a:pPr lvl="2"/>
             <a:r>
-              <a:rPr lang="en-US"/>
-              <a:t>Third level</a:t>
+              <a:rPr lang="it-IT"/>
+              <a:t>Terzo livello</a:t>
             </a:r>
           </a:p>
           <a:p>
             <a:pPr lvl="3"/>
             <a:r>
-              <a:rPr lang="en-US"/>
-              <a:t>Fourth level</a:t>
+              <a:rPr lang="it-IT"/>
+              <a:t>Quarto livello</a:t>
             </a:r>
           </a:p>
           <a:p>
             <a:pPr lvl="4"/>
             <a:r>
-              <a:rPr lang="en-US"/>
-              <a:t>Fifth level</a:t>
+              <a:rPr lang="it-IT"/>
+              <a:t>Quinto livello</a:t>
             </a:r>
             <a:endParaRPr lang="en-US" dirty="0"/>
           </a:p>
@@ -2021,8 +2127,8 @@
         </p:nvSpPr>
         <p:spPr>
           <a:xfrm>
-            <a:off x="472381" y="2149316"/>
-            <a:ext cx="2211884" cy="3981875"/>
+            <a:off x="233129" y="1047750"/>
+            <a:ext cx="1091605" cy="1941086"/>
           </a:xfrm>
         </p:spPr>
         <p:txBody>
@@ -2030,46 +2136,46 @@
           <a:lstStyle>
             <a:lvl1pPr marL="0" indent="0">
               <a:buNone/>
-              <a:defRPr sz="1200"/>
+              <a:defRPr sz="592"/>
             </a:lvl1pPr>
-            <a:lvl2pPr marL="342900" indent="0">
-              <a:buNone/>
-              <a:defRPr sz="1050"/>
+            <a:lvl2pPr marL="169210" indent="0">
+              <a:buNone/>
+              <a:defRPr sz="518"/>
             </a:lvl2pPr>
-            <a:lvl3pPr marL="685800" indent="0">
-              <a:buNone/>
-              <a:defRPr sz="900"/>
+            <a:lvl3pPr marL="338419" indent="0">
+              <a:buNone/>
+              <a:defRPr sz="444"/>
             </a:lvl3pPr>
-            <a:lvl4pPr marL="1028700" indent="0">
-              <a:buNone/>
-              <a:defRPr sz="750"/>
+            <a:lvl4pPr marL="507629" indent="0">
+              <a:buNone/>
+              <a:defRPr sz="370"/>
             </a:lvl4pPr>
-            <a:lvl5pPr marL="1371600" indent="0">
-              <a:buNone/>
-              <a:defRPr sz="750"/>
+            <a:lvl5pPr marL="676839" indent="0">
+              <a:buNone/>
+              <a:defRPr sz="370"/>
             </a:lvl5pPr>
-            <a:lvl6pPr marL="1714500" indent="0">
-              <a:buNone/>
-              <a:defRPr sz="750"/>
+            <a:lvl6pPr marL="846049" indent="0">
+              <a:buNone/>
+              <a:defRPr sz="370"/>
             </a:lvl6pPr>
-            <a:lvl7pPr marL="2057400" indent="0">
-              <a:buNone/>
-              <a:defRPr sz="750"/>
+            <a:lvl7pPr marL="1015258" indent="0">
+              <a:buNone/>
+              <a:defRPr sz="370"/>
             </a:lvl7pPr>
-            <a:lvl8pPr marL="2400300" indent="0">
-              <a:buNone/>
-              <a:defRPr sz="750"/>
+            <a:lvl8pPr marL="1184468" indent="0">
+              <a:buNone/>
+              <a:defRPr sz="370"/>
             </a:lvl8pPr>
-            <a:lvl9pPr marL="2743200" indent="0">
-              <a:buNone/>
-              <a:defRPr sz="750"/>
+            <a:lvl9pPr marL="1353678" indent="0">
+              <a:buNone/>
+              <a:defRPr sz="370"/>
             </a:lvl9pPr>
           </a:lstStyle>
           <a:p>
             <a:pPr lvl="0"/>
             <a:r>
-              <a:rPr lang="en-US"/>
-              <a:t>Click to edit Master text styles</a:t>
+              <a:rPr lang="it-IT"/>
+              <a:t>Fare clic per modificare gli stili del testo dello schema</a:t>
             </a:r>
           </a:p>
         </p:txBody>
@@ -2091,7 +2197,7 @@
           <a:p>
             <a:fld id="{0848591D-C236-4355-B393-0D10ED842594}" type="datetimeFigureOut">
               <a:rPr lang="en-GB" smtClean="0"/>
-              <a:t>13/09/2023</a:t>
+              <a:t>13/12/2023</a:t>
             </a:fld>
             <a:endParaRPr lang="en-GB"/>
           </a:p>
@@ -2133,7 +2239,7 @@
           <a:p>
             <a:fld id="{3FF9071C-1BED-494A-BD3E-E0FA1727C041}" type="slidenum">
               <a:rPr lang="en-GB" smtClean="0"/>
-              <a:t>‹#›</a:t>
+              <a:t>‹N›</a:t>
             </a:fld>
             <a:endParaRPr lang="en-GB"/>
           </a:p>
@@ -2142,7 +2248,7 @@
     </p:spTree>
     <p:extLst>
       <p:ext uri="{BB962C8B-B14F-4D97-AF65-F5344CB8AC3E}">
-        <p14:creationId xmlns:p14="http://schemas.microsoft.com/office/powerpoint/2010/main" val="934691872"/>
+        <p14:creationId xmlns:p14="http://schemas.microsoft.com/office/powerpoint/2010/main" val="3371767845"/>
       </p:ext>
     </p:extLst>
   </p:cSld>
@@ -2154,7 +2260,7 @@
 
 <file path=ppt/slideLayouts/slideLayout9.xml><?xml version="1.0" encoding="utf-8"?>
 <p:sldLayout xmlns:a="http://schemas.openxmlformats.org/drawingml/2006/main" xmlns:r="http://schemas.openxmlformats.org/officeDocument/2006/relationships" xmlns:p="http://schemas.openxmlformats.org/presentationml/2006/main" type="picTx" preserve="1">
-  <p:cSld name="Picture with Caption">
+  <p:cSld name="Immagine con didascalia">
     <p:spTree>
       <p:nvGrpSpPr>
         <p:cNvPr id="1" name=""/>
@@ -2181,21 +2287,21 @@
         </p:nvSpPr>
         <p:spPr>
           <a:xfrm>
-            <a:off x="472381" y="477626"/>
-            <a:ext cx="2211884" cy="1671691"/>
+            <a:off x="233129" y="232833"/>
+            <a:ext cx="1091605" cy="814917"/>
           </a:xfrm>
         </p:spPr>
         <p:txBody>
           <a:bodyPr anchor="b"/>
           <a:lstStyle>
             <a:lvl1pPr>
-              <a:defRPr sz="2400"/>
+              <a:defRPr sz="1184"/>
             </a:lvl1pPr>
           </a:lstStyle>
           <a:p>
             <a:r>
-              <a:rPr lang="en-US"/>
-              <a:t>Click to edit Master title style</a:t>
+              <a:rPr lang="it-IT"/>
+              <a:t>Fare clic per modificare lo stile del titolo dello schema</a:t>
             </a:r>
             <a:endParaRPr lang="en-US" dirty="0"/>
           </a:p>
@@ -2213,8 +2319,8 @@
         </p:nvSpPr>
         <p:spPr>
           <a:xfrm>
-            <a:off x="2915543" y="1031541"/>
-            <a:ext cx="3471863" cy="5091359"/>
+            <a:off x="1438875" y="502856"/>
+            <a:ext cx="1713428" cy="2481939"/>
           </a:xfrm>
         </p:spPr>
         <p:txBody>
@@ -2222,45 +2328,45 @@
           <a:lstStyle>
             <a:lvl1pPr marL="0" indent="0">
               <a:buNone/>
-              <a:defRPr sz="2400"/>
+              <a:defRPr sz="1184"/>
             </a:lvl1pPr>
-            <a:lvl2pPr marL="342900" indent="0">
-              <a:buNone/>
-              <a:defRPr sz="2100"/>
+            <a:lvl2pPr marL="169210" indent="0">
+              <a:buNone/>
+              <a:defRPr sz="1036"/>
             </a:lvl2pPr>
-            <a:lvl3pPr marL="685800" indent="0">
-              <a:buNone/>
-              <a:defRPr sz="1800"/>
+            <a:lvl3pPr marL="338419" indent="0">
+              <a:buNone/>
+              <a:defRPr sz="888"/>
             </a:lvl3pPr>
-            <a:lvl4pPr marL="1028700" indent="0">
-              <a:buNone/>
-              <a:defRPr sz="1500"/>
+            <a:lvl4pPr marL="507629" indent="0">
+              <a:buNone/>
+              <a:defRPr sz="740"/>
             </a:lvl4pPr>
-            <a:lvl5pPr marL="1371600" indent="0">
-              <a:buNone/>
-              <a:defRPr sz="1500"/>
+            <a:lvl5pPr marL="676839" indent="0">
+              <a:buNone/>
+              <a:defRPr sz="740"/>
             </a:lvl5pPr>
-            <a:lvl6pPr marL="1714500" indent="0">
-              <a:buNone/>
-              <a:defRPr sz="1500"/>
+            <a:lvl6pPr marL="846049" indent="0">
+              <a:buNone/>
+              <a:defRPr sz="740"/>
             </a:lvl6pPr>
-            <a:lvl7pPr marL="2057400" indent="0">
-              <a:buNone/>
-              <a:defRPr sz="1500"/>
+            <a:lvl7pPr marL="1015258" indent="0">
+              <a:buNone/>
+              <a:defRPr sz="740"/>
             </a:lvl7pPr>
-            <a:lvl8pPr marL="2400300" indent="0">
-              <a:buNone/>
-              <a:defRPr sz="1500"/>
+            <a:lvl8pPr marL="1184468" indent="0">
+              <a:buNone/>
+              <a:defRPr sz="740"/>
             </a:lvl8pPr>
-            <a:lvl9pPr marL="2743200" indent="0">
-              <a:buNone/>
-              <a:defRPr sz="1500"/>
+            <a:lvl9pPr marL="1353678" indent="0">
+              <a:buNone/>
+              <a:defRPr sz="740"/>
             </a:lvl9pPr>
           </a:lstStyle>
           <a:p>
             <a:r>
-              <a:rPr lang="en-US"/>
-              <a:t>Click icon to add picture</a:t>
+              <a:rPr lang="it-IT"/>
+              <a:t>Fare clic sull'icona per inserire un'immagine</a:t>
             </a:r>
             <a:endParaRPr lang="en-US" dirty="0"/>
           </a:p>
@@ -2278,8 +2384,8 @@
         </p:nvSpPr>
         <p:spPr>
           <a:xfrm>
-            <a:off x="472381" y="2149316"/>
-            <a:ext cx="2211884" cy="3981875"/>
+            <a:off x="233129" y="1047750"/>
+            <a:ext cx="1091605" cy="1941086"/>
           </a:xfrm>
         </p:spPr>
         <p:txBody>
@@ -2287,46 +2393,46 @@
           <a:lstStyle>
             <a:lvl1pPr marL="0" indent="0">
               <a:buNone/>
-              <a:defRPr sz="1200"/>
+              <a:defRPr sz="592"/>
             </a:lvl1pPr>
-            <a:lvl2pPr marL="342900" indent="0">
-              <a:buNone/>
-              <a:defRPr sz="1050"/>
+            <a:lvl2pPr marL="169210" indent="0">
+              <a:buNone/>
+              <a:defRPr sz="518"/>
             </a:lvl2pPr>
-            <a:lvl3pPr marL="685800" indent="0">
-              <a:buNone/>
-              <a:defRPr sz="900"/>
+            <a:lvl3pPr marL="338419" indent="0">
+              <a:buNone/>
+              <a:defRPr sz="444"/>
             </a:lvl3pPr>
-            <a:lvl4pPr marL="1028700" indent="0">
-              <a:buNone/>
-              <a:defRPr sz="750"/>
+            <a:lvl4pPr marL="507629" indent="0">
+              <a:buNone/>
+              <a:defRPr sz="370"/>
             </a:lvl4pPr>
-            <a:lvl5pPr marL="1371600" indent="0">
-              <a:buNone/>
-              <a:defRPr sz="750"/>
+            <a:lvl5pPr marL="676839" indent="0">
+              <a:buNone/>
+              <a:defRPr sz="370"/>
             </a:lvl5pPr>
-            <a:lvl6pPr marL="1714500" indent="0">
-              <a:buNone/>
-              <a:defRPr sz="750"/>
+            <a:lvl6pPr marL="846049" indent="0">
+              <a:buNone/>
+              <a:defRPr sz="370"/>
             </a:lvl6pPr>
-            <a:lvl7pPr marL="2057400" indent="0">
-              <a:buNone/>
-              <a:defRPr sz="750"/>
+            <a:lvl7pPr marL="1015258" indent="0">
+              <a:buNone/>
+              <a:defRPr sz="370"/>
             </a:lvl7pPr>
-            <a:lvl8pPr marL="2400300" indent="0">
-              <a:buNone/>
-              <a:defRPr sz="750"/>
+            <a:lvl8pPr marL="1184468" indent="0">
+              <a:buNone/>
+              <a:defRPr sz="370"/>
             </a:lvl8pPr>
-            <a:lvl9pPr marL="2743200" indent="0">
-              <a:buNone/>
-              <a:defRPr sz="750"/>
+            <a:lvl9pPr marL="1353678" indent="0">
+              <a:buNone/>
+              <a:defRPr sz="370"/>
             </a:lvl9pPr>
           </a:lstStyle>
           <a:p>
             <a:pPr lvl="0"/>
             <a:r>
-              <a:rPr lang="en-US"/>
-              <a:t>Click to edit Master text styles</a:t>
+              <a:rPr lang="it-IT"/>
+              <a:t>Fare clic per modificare gli stili del testo dello schema</a:t>
             </a:r>
           </a:p>
         </p:txBody>
@@ -2348,7 +2454,7 @@
           <a:p>
             <a:fld id="{0848591D-C236-4355-B393-0D10ED842594}" type="datetimeFigureOut">
               <a:rPr lang="en-GB" smtClean="0"/>
-              <a:t>13/09/2023</a:t>
+              <a:t>13/12/2023</a:t>
             </a:fld>
             <a:endParaRPr lang="en-GB"/>
           </a:p>
@@ -2390,7 +2496,7 @@
           <a:p>
             <a:fld id="{3FF9071C-1BED-494A-BD3E-E0FA1727C041}" type="slidenum">
               <a:rPr lang="en-GB" smtClean="0"/>
-              <a:t>‹#›</a:t>
+              <a:t>‹N›</a:t>
             </a:fld>
             <a:endParaRPr lang="en-GB"/>
           </a:p>
@@ -2399,7 +2505,7 @@
     </p:spTree>
     <p:extLst>
       <p:ext uri="{BB962C8B-B14F-4D97-AF65-F5344CB8AC3E}">
-        <p14:creationId xmlns:p14="http://schemas.microsoft.com/office/powerpoint/2010/main" val="1347182565"/>
+        <p14:creationId xmlns:p14="http://schemas.microsoft.com/office/powerpoint/2010/main" val="2357735698"/>
       </p:ext>
     </p:extLst>
   </p:cSld>
@@ -2443,8 +2549,8 @@
         </p:nvSpPr>
         <p:spPr>
           <a:xfrm>
-            <a:off x="471488" y="381439"/>
-            <a:ext cx="5915025" cy="1384784"/>
+            <a:off x="232688" y="185944"/>
+            <a:ext cx="2919174" cy="675055"/>
           </a:xfrm>
           <a:prstGeom prst="rect">
             <a:avLst/>
@@ -2457,8 +2563,8 @@
           <a:lstStyle/>
           <a:p>
             <a:r>
-              <a:rPr lang="en-US"/>
-              <a:t>Click to edit Master title style</a:t>
+              <a:rPr lang="it-IT"/>
+              <a:t>Fare clic per modificare lo stile del titolo dello schema</a:t>
             </a:r>
             <a:endParaRPr lang="en-US" dirty="0"/>
           </a:p>
@@ -2476,8 +2582,8 @@
         </p:nvSpPr>
         <p:spPr>
           <a:xfrm>
-            <a:off x="471488" y="1907187"/>
-            <a:ext cx="5915025" cy="4545738"/>
+            <a:off x="232688" y="929717"/>
+            <a:ext cx="2919174" cy="2215959"/>
           </a:xfrm>
           <a:prstGeom prst="rect">
             <a:avLst/>
@@ -2491,36 +2597,36 @@
           <a:p>
             <a:pPr lvl="0"/>
             <a:r>
-              <a:rPr lang="en-US"/>
-              <a:t>Click to edit Master text styles</a:t>
+              <a:rPr lang="it-IT"/>
+              <a:t>Fare clic per modificare gli stili del testo dello schema</a:t>
             </a:r>
           </a:p>
           <a:p>
             <a:pPr lvl="1"/>
             <a:r>
-              <a:rPr lang="en-US"/>
-              <a:t>Second level</a:t>
+              <a:rPr lang="it-IT"/>
+              <a:t>Secondo livello</a:t>
             </a:r>
           </a:p>
           <a:p>
             <a:pPr lvl="2"/>
             <a:r>
-              <a:rPr lang="en-US"/>
-              <a:t>Third level</a:t>
+              <a:rPr lang="it-IT"/>
+              <a:t>Terzo livello</a:t>
             </a:r>
           </a:p>
           <a:p>
             <a:pPr lvl="3"/>
             <a:r>
-              <a:rPr lang="en-US"/>
-              <a:t>Fourth level</a:t>
+              <a:rPr lang="it-IT"/>
+              <a:t>Quarto livello</a:t>
             </a:r>
           </a:p>
           <a:p>
             <a:pPr lvl="4"/>
             <a:r>
-              <a:rPr lang="en-US"/>
-              <a:t>Fifth level</a:t>
+              <a:rPr lang="it-IT"/>
+              <a:t>Quinto livello</a:t>
             </a:r>
             <a:endParaRPr lang="en-US" dirty="0"/>
           </a:p>
@@ -2538,8 +2644,8 @@
         </p:nvSpPr>
         <p:spPr>
           <a:xfrm>
-            <a:off x="471488" y="6640328"/>
-            <a:ext cx="1543050" cy="381437"/>
+            <a:off x="232688" y="3237031"/>
+            <a:ext cx="761524" cy="185943"/>
           </a:xfrm>
           <a:prstGeom prst="rect">
             <a:avLst/>
@@ -2549,7 +2655,7 @@
           <a:bodyPr vert="horz" lIns="91440" tIns="45720" rIns="91440" bIns="45720" rtlCol="0" anchor="ctr"/>
           <a:lstStyle>
             <a:lvl1pPr algn="l">
-              <a:defRPr sz="900">
+              <a:defRPr sz="444">
                 <a:solidFill>
                   <a:schemeClr val="tx1">
                     <a:tint val="75000"/>
@@ -2561,7 +2667,7 @@
           <a:p>
             <a:fld id="{0848591D-C236-4355-B393-0D10ED842594}" type="datetimeFigureOut">
               <a:rPr lang="en-GB" smtClean="0"/>
-              <a:t>13/09/2023</a:t>
+              <a:t>13/12/2023</a:t>
             </a:fld>
             <a:endParaRPr lang="en-GB"/>
           </a:p>
@@ -2579,8 +2685,8 @@
         </p:nvSpPr>
         <p:spPr>
           <a:xfrm>
-            <a:off x="2271713" y="6640328"/>
-            <a:ext cx="2314575" cy="381437"/>
+            <a:off x="1121132" y="3237031"/>
+            <a:ext cx="1142286" cy="185943"/>
           </a:xfrm>
           <a:prstGeom prst="rect">
             <a:avLst/>
@@ -2590,7 +2696,7 @@
           <a:bodyPr vert="horz" lIns="91440" tIns="45720" rIns="91440" bIns="45720" rtlCol="0" anchor="ctr"/>
           <a:lstStyle>
             <a:lvl1pPr algn="ctr">
-              <a:defRPr sz="900">
+              <a:defRPr sz="444">
                 <a:solidFill>
                   <a:schemeClr val="tx1">
                     <a:tint val="75000"/>
@@ -2616,8 +2722,8 @@
         </p:nvSpPr>
         <p:spPr>
           <a:xfrm>
-            <a:off x="4843463" y="6640328"/>
-            <a:ext cx="1543050" cy="381437"/>
+            <a:off x="2390338" y="3237031"/>
+            <a:ext cx="761524" cy="185943"/>
           </a:xfrm>
           <a:prstGeom prst="rect">
             <a:avLst/>
@@ -2627,7 +2733,7 @@
           <a:bodyPr vert="horz" lIns="91440" tIns="45720" rIns="91440" bIns="45720" rtlCol="0" anchor="ctr"/>
           <a:lstStyle>
             <a:lvl1pPr algn="r">
-              <a:defRPr sz="900">
+              <a:defRPr sz="444">
                 <a:solidFill>
                   <a:schemeClr val="tx1">
                     <a:tint val="75000"/>
@@ -2639,7 +2745,7 @@
           <a:p>
             <a:fld id="{3FF9071C-1BED-494A-BD3E-E0FA1727C041}" type="slidenum">
               <a:rPr lang="en-GB" smtClean="0"/>
-              <a:t>‹#›</a:t>
+              <a:t>‹N›</a:t>
             </a:fld>
             <a:endParaRPr lang="en-GB"/>
           </a:p>
@@ -2648,27 +2754,27 @@
     </p:spTree>
     <p:extLst>
       <p:ext uri="{BB962C8B-B14F-4D97-AF65-F5344CB8AC3E}">
-        <p14:creationId xmlns:p14="http://schemas.microsoft.com/office/powerpoint/2010/main" val="2408048166"/>
+        <p14:creationId xmlns:p14="http://schemas.microsoft.com/office/powerpoint/2010/main" val="3049144191"/>
       </p:ext>
     </p:extLst>
   </p:cSld>
   <p:clrMap bg1="lt1" tx1="dk1" bg2="lt2" tx2="dk2" accent1="accent1" accent2="accent2" accent3="accent3" accent4="accent4" accent5="accent5" accent6="accent6" hlink="hlink" folHlink="folHlink"/>
   <p:sldLayoutIdLst>
-    <p:sldLayoutId id="2147483673" r:id="rId1"/>
-    <p:sldLayoutId id="2147483674" r:id="rId2"/>
-    <p:sldLayoutId id="2147483675" r:id="rId3"/>
-    <p:sldLayoutId id="2147483676" r:id="rId4"/>
-    <p:sldLayoutId id="2147483677" r:id="rId5"/>
-    <p:sldLayoutId id="2147483678" r:id="rId6"/>
-    <p:sldLayoutId id="2147483679" r:id="rId7"/>
-    <p:sldLayoutId id="2147483680" r:id="rId8"/>
-    <p:sldLayoutId id="2147483681" r:id="rId9"/>
-    <p:sldLayoutId id="2147483682" r:id="rId10"/>
-    <p:sldLayoutId id="2147483683" r:id="rId11"/>
+    <p:sldLayoutId id="2147483685" r:id="rId1"/>
+    <p:sldLayoutId id="2147483686" r:id="rId2"/>
+    <p:sldLayoutId id="2147483687" r:id="rId3"/>
+    <p:sldLayoutId id="2147483688" r:id="rId4"/>
+    <p:sldLayoutId id="2147483689" r:id="rId5"/>
+    <p:sldLayoutId id="2147483690" r:id="rId6"/>
+    <p:sldLayoutId id="2147483691" r:id="rId7"/>
+    <p:sldLayoutId id="2147483692" r:id="rId8"/>
+    <p:sldLayoutId id="2147483693" r:id="rId9"/>
+    <p:sldLayoutId id="2147483694" r:id="rId10"/>
+    <p:sldLayoutId id="2147483695" r:id="rId11"/>
   </p:sldLayoutIdLst>
   <p:txStyles>
     <p:titleStyle>
-      <a:lvl1pPr algn="l" defTabSz="685800" rtl="0" eaLnBrk="1" latinLnBrk="0" hangingPunct="1">
+      <a:lvl1pPr algn="l" defTabSz="338419" rtl="0" eaLnBrk="1" latinLnBrk="0" hangingPunct="1">
         <a:lnSpc>
           <a:spcPct val="90000"/>
         </a:lnSpc>
@@ -2676,7 +2782,7 @@
           <a:spcPct val="0"/>
         </a:spcBef>
         <a:buNone/>
-        <a:defRPr sz="3300" kern="1200">
+        <a:defRPr sz="1628" kern="1200">
           <a:solidFill>
             <a:schemeClr val="tx1"/>
           </a:solidFill>
@@ -2687,16 +2793,16 @@
       </a:lvl1pPr>
     </p:titleStyle>
     <p:bodyStyle>
-      <a:lvl1pPr marL="171450" indent="-171450" algn="l" defTabSz="685800" rtl="0" eaLnBrk="1" latinLnBrk="0" hangingPunct="1">
+      <a:lvl1pPr marL="84605" indent="-84605" algn="l" defTabSz="338419" rtl="0" eaLnBrk="1" latinLnBrk="0" hangingPunct="1">
         <a:lnSpc>
           <a:spcPct val="90000"/>
         </a:lnSpc>
         <a:spcBef>
-          <a:spcPts val="750"/>
+          <a:spcPts val="370"/>
         </a:spcBef>
         <a:buFont typeface="Arial" panose="020B0604020202020204" pitchFamily="34" charset="0"/>
         <a:buChar char="•"/>
-        <a:defRPr sz="2100" kern="1200">
+        <a:defRPr sz="1036" kern="1200">
           <a:solidFill>
             <a:schemeClr val="tx1"/>
           </a:solidFill>
@@ -2705,16 +2811,16 @@
           <a:cs typeface="+mn-cs"/>
         </a:defRPr>
       </a:lvl1pPr>
-      <a:lvl2pPr marL="514350" indent="-171450" algn="l" defTabSz="685800" rtl="0" eaLnBrk="1" latinLnBrk="0" hangingPunct="1">
+      <a:lvl2pPr marL="253815" indent="-84605" algn="l" defTabSz="338419" rtl="0" eaLnBrk="1" latinLnBrk="0" hangingPunct="1">
         <a:lnSpc>
           <a:spcPct val="90000"/>
         </a:lnSpc>
         <a:spcBef>
-          <a:spcPts val="375"/>
+          <a:spcPts val="185"/>
         </a:spcBef>
         <a:buFont typeface="Arial" panose="020B0604020202020204" pitchFamily="34" charset="0"/>
         <a:buChar char="•"/>
-        <a:defRPr sz="1800" kern="1200">
+        <a:defRPr sz="888" kern="1200">
           <a:solidFill>
             <a:schemeClr val="tx1"/>
           </a:solidFill>
@@ -2723,16 +2829,16 @@
           <a:cs typeface="+mn-cs"/>
         </a:defRPr>
       </a:lvl2pPr>
-      <a:lvl3pPr marL="857250" indent="-171450" algn="l" defTabSz="685800" rtl="0" eaLnBrk="1" latinLnBrk="0" hangingPunct="1">
+      <a:lvl3pPr marL="423024" indent="-84605" algn="l" defTabSz="338419" rtl="0" eaLnBrk="1" latinLnBrk="0" hangingPunct="1">
         <a:lnSpc>
           <a:spcPct val="90000"/>
         </a:lnSpc>
         <a:spcBef>
-          <a:spcPts val="375"/>
+          <a:spcPts val="185"/>
         </a:spcBef>
         <a:buFont typeface="Arial" panose="020B0604020202020204" pitchFamily="34" charset="0"/>
         <a:buChar char="•"/>
-        <a:defRPr sz="1500" kern="1200">
+        <a:defRPr sz="740" kern="1200">
           <a:solidFill>
             <a:schemeClr val="tx1"/>
           </a:solidFill>
@@ -2741,16 +2847,16 @@
           <a:cs typeface="+mn-cs"/>
         </a:defRPr>
       </a:lvl3pPr>
-      <a:lvl4pPr marL="1200150" indent="-171450" algn="l" defTabSz="685800" rtl="0" eaLnBrk="1" latinLnBrk="0" hangingPunct="1">
+      <a:lvl4pPr marL="592234" indent="-84605" algn="l" defTabSz="338419" rtl="0" eaLnBrk="1" latinLnBrk="0" hangingPunct="1">
         <a:lnSpc>
           <a:spcPct val="90000"/>
         </a:lnSpc>
         <a:spcBef>
-          <a:spcPts val="375"/>
+          <a:spcPts val="185"/>
         </a:spcBef>
         <a:buFont typeface="Arial" panose="020B0604020202020204" pitchFamily="34" charset="0"/>
         <a:buChar char="•"/>
-        <a:defRPr sz="1350" kern="1200">
+        <a:defRPr sz="666" kern="1200">
           <a:solidFill>
             <a:schemeClr val="tx1"/>
           </a:solidFill>
@@ -2759,16 +2865,16 @@
           <a:cs typeface="+mn-cs"/>
         </a:defRPr>
       </a:lvl4pPr>
-      <a:lvl5pPr marL="1543050" indent="-171450" algn="l" defTabSz="685800" rtl="0" eaLnBrk="1" latinLnBrk="0" hangingPunct="1">
+      <a:lvl5pPr marL="761444" indent="-84605" algn="l" defTabSz="338419" rtl="0" eaLnBrk="1" latinLnBrk="0" hangingPunct="1">
         <a:lnSpc>
           <a:spcPct val="90000"/>
         </a:lnSpc>
         <a:spcBef>
-          <a:spcPts val="375"/>
+          <a:spcPts val="185"/>
         </a:spcBef>
         <a:buFont typeface="Arial" panose="020B0604020202020204" pitchFamily="34" charset="0"/>
         <a:buChar char="•"/>
-        <a:defRPr sz="1350" kern="1200">
+        <a:defRPr sz="666" kern="1200">
           <a:solidFill>
             <a:schemeClr val="tx1"/>
           </a:solidFill>
@@ -2777,16 +2883,16 @@
           <a:cs typeface="+mn-cs"/>
         </a:defRPr>
       </a:lvl5pPr>
-      <a:lvl6pPr marL="1885950" indent="-171450" algn="l" defTabSz="685800" rtl="0" eaLnBrk="1" latinLnBrk="0" hangingPunct="1">
+      <a:lvl6pPr marL="930653" indent="-84605" algn="l" defTabSz="338419" rtl="0" eaLnBrk="1" latinLnBrk="0" hangingPunct="1">
         <a:lnSpc>
           <a:spcPct val="90000"/>
         </a:lnSpc>
         <a:spcBef>
-          <a:spcPts val="375"/>
+          <a:spcPts val="185"/>
         </a:spcBef>
         <a:buFont typeface="Arial" panose="020B0604020202020204" pitchFamily="34" charset="0"/>
         <a:buChar char="•"/>
-        <a:defRPr sz="1350" kern="1200">
+        <a:defRPr sz="666" kern="1200">
           <a:solidFill>
             <a:schemeClr val="tx1"/>
           </a:solidFill>
@@ -2795,16 +2901,16 @@
           <a:cs typeface="+mn-cs"/>
         </a:defRPr>
       </a:lvl6pPr>
-      <a:lvl7pPr marL="2228850" indent="-171450" algn="l" defTabSz="685800" rtl="0" eaLnBrk="1" latinLnBrk="0" hangingPunct="1">
+      <a:lvl7pPr marL="1099863" indent="-84605" algn="l" defTabSz="338419" rtl="0" eaLnBrk="1" latinLnBrk="0" hangingPunct="1">
         <a:lnSpc>
           <a:spcPct val="90000"/>
         </a:lnSpc>
         <a:spcBef>
-          <a:spcPts val="375"/>
+          <a:spcPts val="185"/>
         </a:spcBef>
         <a:buFont typeface="Arial" panose="020B0604020202020204" pitchFamily="34" charset="0"/>
         <a:buChar char="•"/>
-        <a:defRPr sz="1350" kern="1200">
+        <a:defRPr sz="666" kern="1200">
           <a:solidFill>
             <a:schemeClr val="tx1"/>
           </a:solidFill>
@@ -2813,16 +2919,16 @@
           <a:cs typeface="+mn-cs"/>
         </a:defRPr>
       </a:lvl7pPr>
-      <a:lvl8pPr marL="2571750" indent="-171450" algn="l" defTabSz="685800" rtl="0" eaLnBrk="1" latinLnBrk="0" hangingPunct="1">
+      <a:lvl8pPr marL="1269073" indent="-84605" algn="l" defTabSz="338419" rtl="0" eaLnBrk="1" latinLnBrk="0" hangingPunct="1">
         <a:lnSpc>
           <a:spcPct val="90000"/>
         </a:lnSpc>
         <a:spcBef>
-          <a:spcPts val="375"/>
+          <a:spcPts val="185"/>
         </a:spcBef>
         <a:buFont typeface="Arial" panose="020B0604020202020204" pitchFamily="34" charset="0"/>
         <a:buChar char="•"/>
-        <a:defRPr sz="1350" kern="1200">
+        <a:defRPr sz="666" kern="1200">
           <a:solidFill>
             <a:schemeClr val="tx1"/>
           </a:solidFill>
@@ -2831,16 +2937,16 @@
           <a:cs typeface="+mn-cs"/>
         </a:defRPr>
       </a:lvl8pPr>
-      <a:lvl9pPr marL="2914650" indent="-171450" algn="l" defTabSz="685800" rtl="0" eaLnBrk="1" latinLnBrk="0" hangingPunct="1">
+      <a:lvl9pPr marL="1438283" indent="-84605" algn="l" defTabSz="338419" rtl="0" eaLnBrk="1" latinLnBrk="0" hangingPunct="1">
         <a:lnSpc>
           <a:spcPct val="90000"/>
         </a:lnSpc>
         <a:spcBef>
-          <a:spcPts val="375"/>
+          <a:spcPts val="185"/>
         </a:spcBef>
         <a:buFont typeface="Arial" panose="020B0604020202020204" pitchFamily="34" charset="0"/>
         <a:buChar char="•"/>
-        <a:defRPr sz="1350" kern="1200">
+        <a:defRPr sz="666" kern="1200">
           <a:solidFill>
             <a:schemeClr val="tx1"/>
           </a:solidFill>
@@ -2854,8 +2960,8 @@
       <a:defPPr>
         <a:defRPr lang="en-US"/>
       </a:defPPr>
-      <a:lvl1pPr marL="0" algn="l" defTabSz="685800" rtl="0" eaLnBrk="1" latinLnBrk="0" hangingPunct="1">
-        <a:defRPr sz="1350" kern="1200">
+      <a:lvl1pPr marL="0" algn="l" defTabSz="338419" rtl="0" eaLnBrk="1" latinLnBrk="0" hangingPunct="1">
+        <a:defRPr sz="666" kern="1200">
           <a:solidFill>
             <a:schemeClr val="tx1"/>
           </a:solidFill>
@@ -2864,8 +2970,8 @@
           <a:cs typeface="+mn-cs"/>
         </a:defRPr>
       </a:lvl1pPr>
-      <a:lvl2pPr marL="342900" algn="l" defTabSz="685800" rtl="0" eaLnBrk="1" latinLnBrk="0" hangingPunct="1">
-        <a:defRPr sz="1350" kern="1200">
+      <a:lvl2pPr marL="169210" algn="l" defTabSz="338419" rtl="0" eaLnBrk="1" latinLnBrk="0" hangingPunct="1">
+        <a:defRPr sz="666" kern="1200">
           <a:solidFill>
             <a:schemeClr val="tx1"/>
           </a:solidFill>
@@ -2874,8 +2980,8 @@
           <a:cs typeface="+mn-cs"/>
         </a:defRPr>
       </a:lvl2pPr>
-      <a:lvl3pPr marL="685800" algn="l" defTabSz="685800" rtl="0" eaLnBrk="1" latinLnBrk="0" hangingPunct="1">
-        <a:defRPr sz="1350" kern="1200">
+      <a:lvl3pPr marL="338419" algn="l" defTabSz="338419" rtl="0" eaLnBrk="1" latinLnBrk="0" hangingPunct="1">
+        <a:defRPr sz="666" kern="1200">
           <a:solidFill>
             <a:schemeClr val="tx1"/>
           </a:solidFill>
@@ -2884,8 +2990,8 @@
           <a:cs typeface="+mn-cs"/>
         </a:defRPr>
       </a:lvl3pPr>
-      <a:lvl4pPr marL="1028700" algn="l" defTabSz="685800" rtl="0" eaLnBrk="1" latinLnBrk="0" hangingPunct="1">
-        <a:defRPr sz="1350" kern="1200">
+      <a:lvl4pPr marL="507629" algn="l" defTabSz="338419" rtl="0" eaLnBrk="1" latinLnBrk="0" hangingPunct="1">
+        <a:defRPr sz="666" kern="1200">
           <a:solidFill>
             <a:schemeClr val="tx1"/>
           </a:solidFill>
@@ -2894,8 +3000,8 @@
           <a:cs typeface="+mn-cs"/>
         </a:defRPr>
       </a:lvl4pPr>
-      <a:lvl5pPr marL="1371600" algn="l" defTabSz="685800" rtl="0" eaLnBrk="1" latinLnBrk="0" hangingPunct="1">
-        <a:defRPr sz="1350" kern="1200">
+      <a:lvl5pPr marL="676839" algn="l" defTabSz="338419" rtl="0" eaLnBrk="1" latinLnBrk="0" hangingPunct="1">
+        <a:defRPr sz="666" kern="1200">
           <a:solidFill>
             <a:schemeClr val="tx1"/>
           </a:solidFill>
@@ -2904,8 +3010,8 @@
           <a:cs typeface="+mn-cs"/>
         </a:defRPr>
       </a:lvl5pPr>
-      <a:lvl6pPr marL="1714500" algn="l" defTabSz="685800" rtl="0" eaLnBrk="1" latinLnBrk="0" hangingPunct="1">
-        <a:defRPr sz="1350" kern="1200">
+      <a:lvl6pPr marL="846049" algn="l" defTabSz="338419" rtl="0" eaLnBrk="1" latinLnBrk="0" hangingPunct="1">
+        <a:defRPr sz="666" kern="1200">
           <a:solidFill>
             <a:schemeClr val="tx1"/>
           </a:solidFill>
@@ -2914,8 +3020,8 @@
           <a:cs typeface="+mn-cs"/>
         </a:defRPr>
       </a:lvl6pPr>
-      <a:lvl7pPr marL="2057400" algn="l" defTabSz="685800" rtl="0" eaLnBrk="1" latinLnBrk="0" hangingPunct="1">
-        <a:defRPr sz="1350" kern="1200">
+      <a:lvl7pPr marL="1015258" algn="l" defTabSz="338419" rtl="0" eaLnBrk="1" latinLnBrk="0" hangingPunct="1">
+        <a:defRPr sz="666" kern="1200">
           <a:solidFill>
             <a:schemeClr val="tx1"/>
           </a:solidFill>
@@ -2924,8 +3030,8 @@
           <a:cs typeface="+mn-cs"/>
         </a:defRPr>
       </a:lvl7pPr>
-      <a:lvl8pPr marL="2400300" algn="l" defTabSz="685800" rtl="0" eaLnBrk="1" latinLnBrk="0" hangingPunct="1">
-        <a:defRPr sz="1350" kern="1200">
+      <a:lvl8pPr marL="1184468" algn="l" defTabSz="338419" rtl="0" eaLnBrk="1" latinLnBrk="0" hangingPunct="1">
+        <a:defRPr sz="666" kern="1200">
           <a:solidFill>
             <a:schemeClr val="tx1"/>
           </a:solidFill>
@@ -2934,8 +3040,8 @@
           <a:cs typeface="+mn-cs"/>
         </a:defRPr>
       </a:lvl8pPr>
-      <a:lvl9pPr marL="2743200" algn="l" defTabSz="685800" rtl="0" eaLnBrk="1" latinLnBrk="0" hangingPunct="1">
-        <a:defRPr sz="1350" kern="1200">
+      <a:lvl9pPr marL="1353678" algn="l" defTabSz="338419" rtl="0" eaLnBrk="1" latinLnBrk="0" hangingPunct="1">
+        <a:defRPr sz="666" kern="1200">
           <a:solidFill>
             <a:schemeClr val="tx1"/>
           </a:solidFill>
@@ -2968,10 +3074,10 @@
       </p:grpSpPr>
       <p:pic>
         <p:nvPicPr>
-          <p:cNvPr id="17" name="Picture 16" descr="A graph of a curve&#10;&#10;Description automatically generated with medium confidence">
+          <p:cNvPr id="2" name="Picture 16" descr="A graph of a curve&#10;&#10;Description automatically generated with medium confidence">
             <a:extLst>
               <a:ext uri="{FF2B5EF4-FFF2-40B4-BE49-F238E27FC236}">
-                <a16:creationId xmlns:a16="http://schemas.microsoft.com/office/drawing/2014/main" id="{2E2BAF94-8308-6549-4284-4DBD51377DF1}"/>
+                <a16:creationId xmlns:a16="http://schemas.microsoft.com/office/drawing/2014/main" id="{9C658571-573C-FCBC-F24F-13685438936B}"/>
               </a:ext>
             </a:extLst>
           </p:cNvPr>
@@ -2993,7 +3099,7 @@
         </p:blipFill>
         <p:spPr>
           <a:xfrm>
-            <a:off x="3453682" y="3660387"/>
+            <a:off x="6088" y="12053"/>
             <a:ext cx="3384000" cy="3502047"/>
           </a:xfrm>
           <a:prstGeom prst="rect">
@@ -3001,727 +3107,6 @@
           </a:prstGeom>
         </p:spPr>
       </p:pic>
-      <p:pic>
-        <p:nvPicPr>
-          <p:cNvPr id="18" name="Picture 17" descr="A graph of a curve&#10;&#10;Description automatically generated with medium confidence">
-            <a:extLst>
-              <a:ext uri="{FF2B5EF4-FFF2-40B4-BE49-F238E27FC236}">
-                <a16:creationId xmlns:a16="http://schemas.microsoft.com/office/drawing/2014/main" id="{301718E1-5B64-E99B-8DD3-052A96A60EEB}"/>
-              </a:ext>
-            </a:extLst>
-          </p:cNvPr>
-          <p:cNvPicPr>
-            <a:picLocks noChangeAspect="1"/>
-          </p:cNvPicPr>
-          <p:nvPr/>
-        </p:nvPicPr>
-        <p:blipFill rotWithShape="1">
-          <a:blip r:embed="rId3">
-            <a:extLst>
-              <a:ext uri="{28A0092B-C50C-407E-A947-70E740481C1C}">
-                <a14:useLocalDpi xmlns:a14="http://schemas.microsoft.com/office/drawing/2010/main" val="0"/>
-              </a:ext>
-            </a:extLst>
-          </a:blip>
-          <a:srcRect l="2963" t="4148" r="7851" b="3555"/>
-          <a:stretch/>
-        </p:blipFill>
-        <p:spPr>
-          <a:xfrm>
-            <a:off x="20320" y="3660387"/>
-            <a:ext cx="3384000" cy="3502047"/>
-          </a:xfrm>
-          <a:prstGeom prst="rect">
-            <a:avLst/>
-          </a:prstGeom>
-        </p:spPr>
-      </p:pic>
-      <p:pic>
-        <p:nvPicPr>
-          <p:cNvPr id="19" name="Picture 18" descr="A graph of a curve&#10;&#10;Description automatically generated with medium confidence">
-            <a:extLst>
-              <a:ext uri="{FF2B5EF4-FFF2-40B4-BE49-F238E27FC236}">
-                <a16:creationId xmlns:a16="http://schemas.microsoft.com/office/drawing/2014/main" id="{F7E6D806-CEB4-C822-E095-5554834EC720}"/>
-              </a:ext>
-            </a:extLst>
-          </p:cNvPr>
-          <p:cNvPicPr>
-            <a:picLocks noChangeAspect="1"/>
-          </p:cNvPicPr>
-          <p:nvPr/>
-        </p:nvPicPr>
-        <p:blipFill rotWithShape="1">
-          <a:blip r:embed="rId4">
-            <a:extLst>
-              <a:ext uri="{28A0092B-C50C-407E-A947-70E740481C1C}">
-                <a14:useLocalDpi xmlns:a14="http://schemas.microsoft.com/office/drawing/2010/main" val="0"/>
-              </a:ext>
-            </a:extLst>
-          </a:blip>
-          <a:srcRect l="2963" t="4147" r="7851" b="3555"/>
-          <a:stretch/>
-        </p:blipFill>
-        <p:spPr>
-          <a:xfrm>
-            <a:off x="3453682" y="33266"/>
-            <a:ext cx="3384000" cy="3502047"/>
-          </a:xfrm>
-          <a:prstGeom prst="rect">
-            <a:avLst/>
-          </a:prstGeom>
-        </p:spPr>
-      </p:pic>
-      <p:pic>
-        <p:nvPicPr>
-          <p:cNvPr id="20" name="Picture 19" descr="A graph of a curve&#10;&#10;Description automatically generated">
-            <a:extLst>
-              <a:ext uri="{FF2B5EF4-FFF2-40B4-BE49-F238E27FC236}">
-                <a16:creationId xmlns:a16="http://schemas.microsoft.com/office/drawing/2014/main" id="{576BC879-CA74-27EB-46E3-64FE6A9341CA}"/>
-              </a:ext>
-            </a:extLst>
-          </p:cNvPr>
-          <p:cNvPicPr>
-            <a:picLocks noChangeAspect="1"/>
-          </p:cNvPicPr>
-          <p:nvPr/>
-        </p:nvPicPr>
-        <p:blipFill rotWithShape="1">
-          <a:blip r:embed="rId5">
-            <a:extLst>
-              <a:ext uri="{28A0092B-C50C-407E-A947-70E740481C1C}">
-                <a14:useLocalDpi xmlns:a14="http://schemas.microsoft.com/office/drawing/2010/main" val="0"/>
-              </a:ext>
-            </a:extLst>
-          </a:blip>
-          <a:srcRect l="2963" t="4148" r="7851" b="3555"/>
-          <a:stretch/>
-        </p:blipFill>
-        <p:spPr>
-          <a:xfrm>
-            <a:off x="20320" y="33266"/>
-            <a:ext cx="3384000" cy="3502047"/>
-          </a:xfrm>
-          <a:prstGeom prst="rect">
-            <a:avLst/>
-          </a:prstGeom>
-        </p:spPr>
-      </p:pic>
-      <p:sp>
-        <p:nvSpPr>
-          <p:cNvPr id="21" name="TextBox 9">
-            <a:extLst>
-              <a:ext uri="{FF2B5EF4-FFF2-40B4-BE49-F238E27FC236}">
-                <a16:creationId xmlns:a16="http://schemas.microsoft.com/office/drawing/2014/main" id="{0C9976B6-702E-44DB-94D9-5437C134B4AB}"/>
-              </a:ext>
-            </a:extLst>
-          </p:cNvPr>
-          <p:cNvSpPr txBox="1"/>
-          <p:nvPr/>
-        </p:nvSpPr>
-        <p:spPr>
-          <a:xfrm>
-            <a:off x="428093" y="374013"/>
-            <a:ext cx="252000" cy="276999"/>
-          </a:xfrm>
-          <a:prstGeom prst="rect">
-            <a:avLst/>
-          </a:prstGeom>
-          <a:solidFill>
-            <a:schemeClr val="bg1"/>
-          </a:solidFill>
-          <a:ln>
-            <a:solidFill>
-              <a:schemeClr val="bg1">
-                <a:lumMod val="65000"/>
-              </a:schemeClr>
-            </a:solidFill>
-          </a:ln>
-        </p:spPr>
-        <p:txBody>
-          <a:bodyPr wrap="square" rtlCol="0">
-            <a:spAutoFit/>
-          </a:bodyPr>
-          <a:lstStyle>
-            <a:defPPr>
-              <a:defRPr lang="en-US"/>
-            </a:defPPr>
-            <a:lvl1pPr marL="0" algn="l" defTabSz="457200" rtl="0" eaLnBrk="1" latinLnBrk="0" hangingPunct="1">
-              <a:defRPr sz="1800" kern="1200">
-                <a:solidFill>
-                  <a:schemeClr val="tx1"/>
-                </a:solidFill>
-                <a:latin typeface="+mn-lt"/>
-                <a:ea typeface="+mn-ea"/>
-                <a:cs typeface="+mn-cs"/>
-              </a:defRPr>
-            </a:lvl1pPr>
-            <a:lvl2pPr marL="457200" algn="l" defTabSz="457200" rtl="0" eaLnBrk="1" latinLnBrk="0" hangingPunct="1">
-              <a:defRPr sz="1800" kern="1200">
-                <a:solidFill>
-                  <a:schemeClr val="tx1"/>
-                </a:solidFill>
-                <a:latin typeface="+mn-lt"/>
-                <a:ea typeface="+mn-ea"/>
-                <a:cs typeface="+mn-cs"/>
-              </a:defRPr>
-            </a:lvl2pPr>
-            <a:lvl3pPr marL="914400" algn="l" defTabSz="457200" rtl="0" eaLnBrk="1" latinLnBrk="0" hangingPunct="1">
-              <a:defRPr sz="1800" kern="1200">
-                <a:solidFill>
-                  <a:schemeClr val="tx1"/>
-                </a:solidFill>
-                <a:latin typeface="+mn-lt"/>
-                <a:ea typeface="+mn-ea"/>
-                <a:cs typeface="+mn-cs"/>
-              </a:defRPr>
-            </a:lvl3pPr>
-            <a:lvl4pPr marL="1371600" algn="l" defTabSz="457200" rtl="0" eaLnBrk="1" latinLnBrk="0" hangingPunct="1">
-              <a:defRPr sz="1800" kern="1200">
-                <a:solidFill>
-                  <a:schemeClr val="tx1"/>
-                </a:solidFill>
-                <a:latin typeface="+mn-lt"/>
-                <a:ea typeface="+mn-ea"/>
-                <a:cs typeface="+mn-cs"/>
-              </a:defRPr>
-            </a:lvl4pPr>
-            <a:lvl5pPr marL="1828800" algn="l" defTabSz="457200" rtl="0" eaLnBrk="1" latinLnBrk="0" hangingPunct="1">
-              <a:defRPr sz="1800" kern="1200">
-                <a:solidFill>
-                  <a:schemeClr val="tx1"/>
-                </a:solidFill>
-                <a:latin typeface="+mn-lt"/>
-                <a:ea typeface="+mn-ea"/>
-                <a:cs typeface="+mn-cs"/>
-              </a:defRPr>
-            </a:lvl5pPr>
-            <a:lvl6pPr marL="2286000" algn="l" defTabSz="457200" rtl="0" eaLnBrk="1" latinLnBrk="0" hangingPunct="1">
-              <a:defRPr sz="1800" kern="1200">
-                <a:solidFill>
-                  <a:schemeClr val="tx1"/>
-                </a:solidFill>
-                <a:latin typeface="+mn-lt"/>
-                <a:ea typeface="+mn-ea"/>
-                <a:cs typeface="+mn-cs"/>
-              </a:defRPr>
-            </a:lvl6pPr>
-            <a:lvl7pPr marL="2743200" algn="l" defTabSz="457200" rtl="0" eaLnBrk="1" latinLnBrk="0" hangingPunct="1">
-              <a:defRPr sz="1800" kern="1200">
-                <a:solidFill>
-                  <a:schemeClr val="tx1"/>
-                </a:solidFill>
-                <a:latin typeface="+mn-lt"/>
-                <a:ea typeface="+mn-ea"/>
-                <a:cs typeface="+mn-cs"/>
-              </a:defRPr>
-            </a:lvl7pPr>
-            <a:lvl8pPr marL="3200400" algn="l" defTabSz="457200" rtl="0" eaLnBrk="1" latinLnBrk="0" hangingPunct="1">
-              <a:defRPr sz="1800" kern="1200">
-                <a:solidFill>
-                  <a:schemeClr val="tx1"/>
-                </a:solidFill>
-                <a:latin typeface="+mn-lt"/>
-                <a:ea typeface="+mn-ea"/>
-                <a:cs typeface="+mn-cs"/>
-              </a:defRPr>
-            </a:lvl8pPr>
-            <a:lvl9pPr marL="3657600" algn="l" defTabSz="457200" rtl="0" eaLnBrk="1" latinLnBrk="0" hangingPunct="1">
-              <a:defRPr sz="1800" kern="1200">
-                <a:solidFill>
-                  <a:schemeClr val="tx1"/>
-                </a:solidFill>
-                <a:latin typeface="+mn-lt"/>
-                <a:ea typeface="+mn-ea"/>
-                <a:cs typeface="+mn-cs"/>
-              </a:defRPr>
-            </a:lvl9pPr>
-          </a:lstStyle>
-          <a:p>
-            <a:pPr algn="ctr"/>
-            <a:r>
-              <a:rPr lang="it-IT" sz="1200" dirty="0">
-                <a:solidFill>
-                  <a:schemeClr val="tx1">
-                    <a:lumMod val="65000"/>
-                    <a:lumOff val="35000"/>
-                  </a:schemeClr>
-                </a:solidFill>
-              </a:rPr>
-              <a:t>a</a:t>
-            </a:r>
-            <a:endParaRPr lang="en-GB" sz="1200" dirty="0">
-              <a:solidFill>
-                <a:schemeClr val="tx1">
-                  <a:lumMod val="65000"/>
-                  <a:lumOff val="35000"/>
-                </a:schemeClr>
-              </a:solidFill>
-            </a:endParaRPr>
-          </a:p>
-        </p:txBody>
-      </p:sp>
-      <p:sp>
-        <p:nvSpPr>
-          <p:cNvPr id="22" name="TextBox 9">
-            <a:extLst>
-              <a:ext uri="{FF2B5EF4-FFF2-40B4-BE49-F238E27FC236}">
-                <a16:creationId xmlns:a16="http://schemas.microsoft.com/office/drawing/2014/main" id="{F8FCEB9D-F015-B27F-967C-ED683860AB22}"/>
-              </a:ext>
-            </a:extLst>
-          </p:cNvPr>
-          <p:cNvSpPr txBox="1"/>
-          <p:nvPr/>
-        </p:nvSpPr>
-        <p:spPr>
-          <a:xfrm>
-            <a:off x="3862435" y="374013"/>
-            <a:ext cx="252000" cy="276999"/>
-          </a:xfrm>
-          <a:prstGeom prst="rect">
-            <a:avLst/>
-          </a:prstGeom>
-          <a:solidFill>
-            <a:schemeClr val="bg1"/>
-          </a:solidFill>
-          <a:ln>
-            <a:solidFill>
-              <a:schemeClr val="bg1">
-                <a:lumMod val="65000"/>
-              </a:schemeClr>
-            </a:solidFill>
-          </a:ln>
-        </p:spPr>
-        <p:txBody>
-          <a:bodyPr wrap="square" rtlCol="0">
-            <a:spAutoFit/>
-          </a:bodyPr>
-          <a:lstStyle>
-            <a:defPPr>
-              <a:defRPr lang="en-US"/>
-            </a:defPPr>
-            <a:lvl1pPr marL="0" algn="l" defTabSz="457200" rtl="0" eaLnBrk="1" latinLnBrk="0" hangingPunct="1">
-              <a:defRPr sz="1800" kern="1200">
-                <a:solidFill>
-                  <a:schemeClr val="tx1"/>
-                </a:solidFill>
-                <a:latin typeface="+mn-lt"/>
-                <a:ea typeface="+mn-ea"/>
-                <a:cs typeface="+mn-cs"/>
-              </a:defRPr>
-            </a:lvl1pPr>
-            <a:lvl2pPr marL="457200" algn="l" defTabSz="457200" rtl="0" eaLnBrk="1" latinLnBrk="0" hangingPunct="1">
-              <a:defRPr sz="1800" kern="1200">
-                <a:solidFill>
-                  <a:schemeClr val="tx1"/>
-                </a:solidFill>
-                <a:latin typeface="+mn-lt"/>
-                <a:ea typeface="+mn-ea"/>
-                <a:cs typeface="+mn-cs"/>
-              </a:defRPr>
-            </a:lvl2pPr>
-            <a:lvl3pPr marL="914400" algn="l" defTabSz="457200" rtl="0" eaLnBrk="1" latinLnBrk="0" hangingPunct="1">
-              <a:defRPr sz="1800" kern="1200">
-                <a:solidFill>
-                  <a:schemeClr val="tx1"/>
-                </a:solidFill>
-                <a:latin typeface="+mn-lt"/>
-                <a:ea typeface="+mn-ea"/>
-                <a:cs typeface="+mn-cs"/>
-              </a:defRPr>
-            </a:lvl3pPr>
-            <a:lvl4pPr marL="1371600" algn="l" defTabSz="457200" rtl="0" eaLnBrk="1" latinLnBrk="0" hangingPunct="1">
-              <a:defRPr sz="1800" kern="1200">
-                <a:solidFill>
-                  <a:schemeClr val="tx1"/>
-                </a:solidFill>
-                <a:latin typeface="+mn-lt"/>
-                <a:ea typeface="+mn-ea"/>
-                <a:cs typeface="+mn-cs"/>
-              </a:defRPr>
-            </a:lvl4pPr>
-            <a:lvl5pPr marL="1828800" algn="l" defTabSz="457200" rtl="0" eaLnBrk="1" latinLnBrk="0" hangingPunct="1">
-              <a:defRPr sz="1800" kern="1200">
-                <a:solidFill>
-                  <a:schemeClr val="tx1"/>
-                </a:solidFill>
-                <a:latin typeface="+mn-lt"/>
-                <a:ea typeface="+mn-ea"/>
-                <a:cs typeface="+mn-cs"/>
-              </a:defRPr>
-            </a:lvl5pPr>
-            <a:lvl6pPr marL="2286000" algn="l" defTabSz="457200" rtl="0" eaLnBrk="1" latinLnBrk="0" hangingPunct="1">
-              <a:defRPr sz="1800" kern="1200">
-                <a:solidFill>
-                  <a:schemeClr val="tx1"/>
-                </a:solidFill>
-                <a:latin typeface="+mn-lt"/>
-                <a:ea typeface="+mn-ea"/>
-                <a:cs typeface="+mn-cs"/>
-              </a:defRPr>
-            </a:lvl6pPr>
-            <a:lvl7pPr marL="2743200" algn="l" defTabSz="457200" rtl="0" eaLnBrk="1" latinLnBrk="0" hangingPunct="1">
-              <a:defRPr sz="1800" kern="1200">
-                <a:solidFill>
-                  <a:schemeClr val="tx1"/>
-                </a:solidFill>
-                <a:latin typeface="+mn-lt"/>
-                <a:ea typeface="+mn-ea"/>
-                <a:cs typeface="+mn-cs"/>
-              </a:defRPr>
-            </a:lvl7pPr>
-            <a:lvl8pPr marL="3200400" algn="l" defTabSz="457200" rtl="0" eaLnBrk="1" latinLnBrk="0" hangingPunct="1">
-              <a:defRPr sz="1800" kern="1200">
-                <a:solidFill>
-                  <a:schemeClr val="tx1"/>
-                </a:solidFill>
-                <a:latin typeface="+mn-lt"/>
-                <a:ea typeface="+mn-ea"/>
-                <a:cs typeface="+mn-cs"/>
-              </a:defRPr>
-            </a:lvl8pPr>
-            <a:lvl9pPr marL="3657600" algn="l" defTabSz="457200" rtl="0" eaLnBrk="1" latinLnBrk="0" hangingPunct="1">
-              <a:defRPr sz="1800" kern="1200">
-                <a:solidFill>
-                  <a:schemeClr val="tx1"/>
-                </a:solidFill>
-                <a:latin typeface="+mn-lt"/>
-                <a:ea typeface="+mn-ea"/>
-                <a:cs typeface="+mn-cs"/>
-              </a:defRPr>
-            </a:lvl9pPr>
-          </a:lstStyle>
-          <a:p>
-            <a:pPr algn="ctr"/>
-            <a:r>
-              <a:rPr lang="it-IT" sz="1200" dirty="0">
-                <a:solidFill>
-                  <a:schemeClr val="tx1">
-                    <a:lumMod val="65000"/>
-                    <a:lumOff val="35000"/>
-                  </a:schemeClr>
-                </a:solidFill>
-              </a:rPr>
-              <a:t>b</a:t>
-            </a:r>
-            <a:endParaRPr lang="en-GB" sz="1200" dirty="0">
-              <a:solidFill>
-                <a:schemeClr val="tx1">
-                  <a:lumMod val="65000"/>
-                  <a:lumOff val="35000"/>
-                </a:schemeClr>
-              </a:solidFill>
-            </a:endParaRPr>
-          </a:p>
-        </p:txBody>
-      </p:sp>
-      <p:sp>
-        <p:nvSpPr>
-          <p:cNvPr id="23" name="TextBox 9">
-            <a:extLst>
-              <a:ext uri="{FF2B5EF4-FFF2-40B4-BE49-F238E27FC236}">
-                <a16:creationId xmlns:a16="http://schemas.microsoft.com/office/drawing/2014/main" id="{DB61C02C-F06D-AE97-DC7E-6A0C305283CE}"/>
-              </a:ext>
-            </a:extLst>
-          </p:cNvPr>
-          <p:cNvSpPr txBox="1"/>
-          <p:nvPr/>
-        </p:nvSpPr>
-        <p:spPr>
-          <a:xfrm>
-            <a:off x="428093" y="4010792"/>
-            <a:ext cx="252000" cy="276999"/>
-          </a:xfrm>
-          <a:prstGeom prst="rect">
-            <a:avLst/>
-          </a:prstGeom>
-          <a:solidFill>
-            <a:schemeClr val="bg1"/>
-          </a:solidFill>
-          <a:ln>
-            <a:solidFill>
-              <a:schemeClr val="bg1">
-                <a:lumMod val="65000"/>
-              </a:schemeClr>
-            </a:solidFill>
-          </a:ln>
-        </p:spPr>
-        <p:txBody>
-          <a:bodyPr wrap="square" rtlCol="0">
-            <a:spAutoFit/>
-          </a:bodyPr>
-          <a:lstStyle>
-            <a:defPPr>
-              <a:defRPr lang="en-US"/>
-            </a:defPPr>
-            <a:lvl1pPr marL="0" algn="l" defTabSz="457200" rtl="0" eaLnBrk="1" latinLnBrk="0" hangingPunct="1">
-              <a:defRPr sz="1800" kern="1200">
-                <a:solidFill>
-                  <a:schemeClr val="tx1"/>
-                </a:solidFill>
-                <a:latin typeface="+mn-lt"/>
-                <a:ea typeface="+mn-ea"/>
-                <a:cs typeface="+mn-cs"/>
-              </a:defRPr>
-            </a:lvl1pPr>
-            <a:lvl2pPr marL="457200" algn="l" defTabSz="457200" rtl="0" eaLnBrk="1" latinLnBrk="0" hangingPunct="1">
-              <a:defRPr sz="1800" kern="1200">
-                <a:solidFill>
-                  <a:schemeClr val="tx1"/>
-                </a:solidFill>
-                <a:latin typeface="+mn-lt"/>
-                <a:ea typeface="+mn-ea"/>
-                <a:cs typeface="+mn-cs"/>
-              </a:defRPr>
-            </a:lvl2pPr>
-            <a:lvl3pPr marL="914400" algn="l" defTabSz="457200" rtl="0" eaLnBrk="1" latinLnBrk="0" hangingPunct="1">
-              <a:defRPr sz="1800" kern="1200">
-                <a:solidFill>
-                  <a:schemeClr val="tx1"/>
-                </a:solidFill>
-                <a:latin typeface="+mn-lt"/>
-                <a:ea typeface="+mn-ea"/>
-                <a:cs typeface="+mn-cs"/>
-              </a:defRPr>
-            </a:lvl3pPr>
-            <a:lvl4pPr marL="1371600" algn="l" defTabSz="457200" rtl="0" eaLnBrk="1" latinLnBrk="0" hangingPunct="1">
-              <a:defRPr sz="1800" kern="1200">
-                <a:solidFill>
-                  <a:schemeClr val="tx1"/>
-                </a:solidFill>
-                <a:latin typeface="+mn-lt"/>
-                <a:ea typeface="+mn-ea"/>
-                <a:cs typeface="+mn-cs"/>
-              </a:defRPr>
-            </a:lvl4pPr>
-            <a:lvl5pPr marL="1828800" algn="l" defTabSz="457200" rtl="0" eaLnBrk="1" latinLnBrk="0" hangingPunct="1">
-              <a:defRPr sz="1800" kern="1200">
-                <a:solidFill>
-                  <a:schemeClr val="tx1"/>
-                </a:solidFill>
-                <a:latin typeface="+mn-lt"/>
-                <a:ea typeface="+mn-ea"/>
-                <a:cs typeface="+mn-cs"/>
-              </a:defRPr>
-            </a:lvl5pPr>
-            <a:lvl6pPr marL="2286000" algn="l" defTabSz="457200" rtl="0" eaLnBrk="1" latinLnBrk="0" hangingPunct="1">
-              <a:defRPr sz="1800" kern="1200">
-                <a:solidFill>
-                  <a:schemeClr val="tx1"/>
-                </a:solidFill>
-                <a:latin typeface="+mn-lt"/>
-                <a:ea typeface="+mn-ea"/>
-                <a:cs typeface="+mn-cs"/>
-              </a:defRPr>
-            </a:lvl6pPr>
-            <a:lvl7pPr marL="2743200" algn="l" defTabSz="457200" rtl="0" eaLnBrk="1" latinLnBrk="0" hangingPunct="1">
-              <a:defRPr sz="1800" kern="1200">
-                <a:solidFill>
-                  <a:schemeClr val="tx1"/>
-                </a:solidFill>
-                <a:latin typeface="+mn-lt"/>
-                <a:ea typeface="+mn-ea"/>
-                <a:cs typeface="+mn-cs"/>
-              </a:defRPr>
-            </a:lvl7pPr>
-            <a:lvl8pPr marL="3200400" algn="l" defTabSz="457200" rtl="0" eaLnBrk="1" latinLnBrk="0" hangingPunct="1">
-              <a:defRPr sz="1800" kern="1200">
-                <a:solidFill>
-                  <a:schemeClr val="tx1"/>
-                </a:solidFill>
-                <a:latin typeface="+mn-lt"/>
-                <a:ea typeface="+mn-ea"/>
-                <a:cs typeface="+mn-cs"/>
-              </a:defRPr>
-            </a:lvl8pPr>
-            <a:lvl9pPr marL="3657600" algn="l" defTabSz="457200" rtl="0" eaLnBrk="1" latinLnBrk="0" hangingPunct="1">
-              <a:defRPr sz="1800" kern="1200">
-                <a:solidFill>
-                  <a:schemeClr val="tx1"/>
-                </a:solidFill>
-                <a:latin typeface="+mn-lt"/>
-                <a:ea typeface="+mn-ea"/>
-                <a:cs typeface="+mn-cs"/>
-              </a:defRPr>
-            </a:lvl9pPr>
-          </a:lstStyle>
-          <a:p>
-            <a:pPr algn="ctr"/>
-            <a:r>
-              <a:rPr lang="en-US" sz="1200" dirty="0">
-                <a:solidFill>
-                  <a:schemeClr val="tx1">
-                    <a:lumMod val="65000"/>
-                    <a:lumOff val="35000"/>
-                  </a:schemeClr>
-                </a:solidFill>
-              </a:rPr>
-              <a:t>c</a:t>
-            </a:r>
-            <a:endParaRPr lang="en-GB" sz="1200" dirty="0">
-              <a:solidFill>
-                <a:schemeClr val="tx1">
-                  <a:lumMod val="65000"/>
-                  <a:lumOff val="35000"/>
-                </a:schemeClr>
-              </a:solidFill>
-            </a:endParaRPr>
-          </a:p>
-        </p:txBody>
-      </p:sp>
-      <p:sp>
-        <p:nvSpPr>
-          <p:cNvPr id="24" name="TextBox 9">
-            <a:extLst>
-              <a:ext uri="{FF2B5EF4-FFF2-40B4-BE49-F238E27FC236}">
-                <a16:creationId xmlns:a16="http://schemas.microsoft.com/office/drawing/2014/main" id="{D283778C-3AEF-26EB-E762-33599B998E53}"/>
-              </a:ext>
-            </a:extLst>
-          </p:cNvPr>
-          <p:cNvSpPr txBox="1"/>
-          <p:nvPr/>
-        </p:nvSpPr>
-        <p:spPr>
-          <a:xfrm>
-            <a:off x="3862070" y="4010792"/>
-            <a:ext cx="252000" cy="276999"/>
-          </a:xfrm>
-          <a:prstGeom prst="rect">
-            <a:avLst/>
-          </a:prstGeom>
-          <a:solidFill>
-            <a:schemeClr val="bg1"/>
-          </a:solidFill>
-          <a:ln>
-            <a:solidFill>
-              <a:schemeClr val="bg1">
-                <a:lumMod val="65000"/>
-              </a:schemeClr>
-            </a:solidFill>
-          </a:ln>
-        </p:spPr>
-        <p:txBody>
-          <a:bodyPr wrap="square" rtlCol="0">
-            <a:spAutoFit/>
-          </a:bodyPr>
-          <a:lstStyle>
-            <a:defPPr>
-              <a:defRPr lang="en-US"/>
-            </a:defPPr>
-            <a:lvl1pPr marL="0" algn="l" defTabSz="457200" rtl="0" eaLnBrk="1" latinLnBrk="0" hangingPunct="1">
-              <a:defRPr sz="1800" kern="1200">
-                <a:solidFill>
-                  <a:schemeClr val="tx1"/>
-                </a:solidFill>
-                <a:latin typeface="+mn-lt"/>
-                <a:ea typeface="+mn-ea"/>
-                <a:cs typeface="+mn-cs"/>
-              </a:defRPr>
-            </a:lvl1pPr>
-            <a:lvl2pPr marL="457200" algn="l" defTabSz="457200" rtl="0" eaLnBrk="1" latinLnBrk="0" hangingPunct="1">
-              <a:defRPr sz="1800" kern="1200">
-                <a:solidFill>
-                  <a:schemeClr val="tx1"/>
-                </a:solidFill>
-                <a:latin typeface="+mn-lt"/>
-                <a:ea typeface="+mn-ea"/>
-                <a:cs typeface="+mn-cs"/>
-              </a:defRPr>
-            </a:lvl2pPr>
-            <a:lvl3pPr marL="914400" algn="l" defTabSz="457200" rtl="0" eaLnBrk="1" latinLnBrk="0" hangingPunct="1">
-              <a:defRPr sz="1800" kern="1200">
-                <a:solidFill>
-                  <a:schemeClr val="tx1"/>
-                </a:solidFill>
-                <a:latin typeface="+mn-lt"/>
-                <a:ea typeface="+mn-ea"/>
-                <a:cs typeface="+mn-cs"/>
-              </a:defRPr>
-            </a:lvl3pPr>
-            <a:lvl4pPr marL="1371600" algn="l" defTabSz="457200" rtl="0" eaLnBrk="1" latinLnBrk="0" hangingPunct="1">
-              <a:defRPr sz="1800" kern="1200">
-                <a:solidFill>
-                  <a:schemeClr val="tx1"/>
-                </a:solidFill>
-                <a:latin typeface="+mn-lt"/>
-                <a:ea typeface="+mn-ea"/>
-                <a:cs typeface="+mn-cs"/>
-              </a:defRPr>
-            </a:lvl4pPr>
-            <a:lvl5pPr marL="1828800" algn="l" defTabSz="457200" rtl="0" eaLnBrk="1" latinLnBrk="0" hangingPunct="1">
-              <a:defRPr sz="1800" kern="1200">
-                <a:solidFill>
-                  <a:schemeClr val="tx1"/>
-                </a:solidFill>
-                <a:latin typeface="+mn-lt"/>
-                <a:ea typeface="+mn-ea"/>
-                <a:cs typeface="+mn-cs"/>
-              </a:defRPr>
-            </a:lvl5pPr>
-            <a:lvl6pPr marL="2286000" algn="l" defTabSz="457200" rtl="0" eaLnBrk="1" latinLnBrk="0" hangingPunct="1">
-              <a:defRPr sz="1800" kern="1200">
-                <a:solidFill>
-                  <a:schemeClr val="tx1"/>
-                </a:solidFill>
-                <a:latin typeface="+mn-lt"/>
-                <a:ea typeface="+mn-ea"/>
-                <a:cs typeface="+mn-cs"/>
-              </a:defRPr>
-            </a:lvl6pPr>
-            <a:lvl7pPr marL="2743200" algn="l" defTabSz="457200" rtl="0" eaLnBrk="1" latinLnBrk="0" hangingPunct="1">
-              <a:defRPr sz="1800" kern="1200">
-                <a:solidFill>
-                  <a:schemeClr val="tx1"/>
-                </a:solidFill>
-                <a:latin typeface="+mn-lt"/>
-                <a:ea typeface="+mn-ea"/>
-                <a:cs typeface="+mn-cs"/>
-              </a:defRPr>
-            </a:lvl7pPr>
-            <a:lvl8pPr marL="3200400" algn="l" defTabSz="457200" rtl="0" eaLnBrk="1" latinLnBrk="0" hangingPunct="1">
-              <a:defRPr sz="1800" kern="1200">
-                <a:solidFill>
-                  <a:schemeClr val="tx1"/>
-                </a:solidFill>
-                <a:latin typeface="+mn-lt"/>
-                <a:ea typeface="+mn-ea"/>
-                <a:cs typeface="+mn-cs"/>
-              </a:defRPr>
-            </a:lvl8pPr>
-            <a:lvl9pPr marL="3657600" algn="l" defTabSz="457200" rtl="0" eaLnBrk="1" latinLnBrk="0" hangingPunct="1">
-              <a:defRPr sz="1800" kern="1200">
-                <a:solidFill>
-                  <a:schemeClr val="tx1"/>
-                </a:solidFill>
-                <a:latin typeface="+mn-lt"/>
-                <a:ea typeface="+mn-ea"/>
-                <a:cs typeface="+mn-cs"/>
-              </a:defRPr>
-            </a:lvl9pPr>
-          </a:lstStyle>
-          <a:p>
-            <a:pPr algn="ctr"/>
-            <a:r>
-              <a:rPr lang="en-US" sz="1200" dirty="0">
-                <a:solidFill>
-                  <a:schemeClr val="tx1">
-                    <a:lumMod val="65000"/>
-                    <a:lumOff val="35000"/>
-                  </a:schemeClr>
-                </a:solidFill>
-              </a:rPr>
-              <a:t>d</a:t>
-            </a:r>
-            <a:endParaRPr lang="en-GB" sz="1200" dirty="0">
-              <a:solidFill>
-                <a:schemeClr val="tx1">
-                  <a:lumMod val="65000"/>
-                  <a:lumOff val="35000"/>
-                </a:schemeClr>
-              </a:solidFill>
-            </a:endParaRPr>
-          </a:p>
-        </p:txBody>
-      </p:sp>
     </p:spTree>
     <p:extLst>
       <p:ext uri="{BB962C8B-B14F-4D97-AF65-F5344CB8AC3E}">
@@ -3736,9 +3121,9 @@
 </file>
 
 <file path=ppt/theme/theme1.xml><?xml version="1.0" encoding="utf-8"?>
-<a:theme xmlns:a="http://schemas.openxmlformats.org/drawingml/2006/main" name="Office Theme">
+<a:theme xmlns:a="http://schemas.openxmlformats.org/drawingml/2006/main" name="Tema di Office">
   <a:themeElements>
-    <a:clrScheme name="Office Theme">
+    <a:clrScheme name="Tema di Office">
       <a:dk1>
         <a:sysClr val="windowText" lastClr="000000"/>
       </a:dk1>
@@ -3776,7 +3161,7 @@
         <a:srgbClr val="954F72"/>
       </a:folHlink>
     </a:clrScheme>
-    <a:fontScheme name="Office Theme">
+    <a:fontScheme name="Tema di Office">
       <a:majorFont>
         <a:latin typeface="Calibri Light" panose="020F0302020204030204"/>
         <a:ea typeface=""/>
@@ -3848,7 +3233,7 @@
         <a:font script="Geor" typeface="Sylfaen"/>
       </a:minorFont>
     </a:fontScheme>
-    <a:fmtScheme name="Office Theme">
+    <a:fmtScheme name="Tema di Office">
       <a:fillStyleLst>
         <a:solidFill>
           <a:schemeClr val="phClr"/>
@@ -3990,7 +3375,7 @@
   <a:extraClrSchemeLst/>
   <a:extLst>
     <a:ext uri="{05A4C25C-085E-4340-85A3-A5531E510DB2}">
-      <thm15:themeFamily xmlns:thm15="http://schemas.microsoft.com/office/thememl/2012/main" name="Office Theme 2013 - 2022" id="{62F939B6-93AF-4DB8-9C6B-D6C7DFDC589F}" vid="{4A3C46E8-61CC-4603-A589-7422A47A8E4A}"/>
+      <thm15:themeFamily xmlns:thm15="http://schemas.microsoft.com/office/thememl/2012/main" name="Office 2013 - 2022 Theme" id="{62F939B6-93AF-4DB8-9C6B-D6C7DFDC589F}" vid="{4A3C46E8-61CC-4603-A589-7422A47A8E4A}"/>
     </a:ext>
   </a:extLst>
 </a:theme>

--- a/Manuscript/Figures/04_Results_ROCs.pptx
+++ b/Manuscript/Figures/04_Results_ROCs.pptx
@@ -115,7 +115,7 @@
 <file path=ppt/revisionInfo.xml><?xml version="1.0" encoding="utf-8"?>
 <p1510:revInfo xmlns:a="http://schemas.openxmlformats.org/drawingml/2006/main" xmlns:r="http://schemas.openxmlformats.org/officeDocument/2006/relationships" xmlns:p1510="http://schemas.microsoft.com/office/powerpoint/2015/10/main">
   <p1510:revLst>
-    <p1510:client id="{7F8EC0BD-3197-4221-A0D0-BDDD66987831}" v="2" dt="2023-12-13T22:48:30.957"/>
+    <p1510:client id="{7F8EC0BD-3197-4221-A0D0-BDDD66987831}" v="4" dt="2023-12-17T09:09:56.491"/>
   </p1510:revLst>
 </p1510:revInfo>
 </file>
@@ -125,16 +125,32 @@
   <pc:docChgLst>
     <pc:chgData name="Fatima Pillosu" userId="a6295d4dc9e22643" providerId="LiveId" clId="{7F8EC0BD-3197-4221-A0D0-BDDD66987831}"/>
     <pc:docChg chg="custSel modSld">
-      <pc:chgData name="Fatima Pillosu" userId="a6295d4dc9e22643" providerId="LiveId" clId="{7F8EC0BD-3197-4221-A0D0-BDDD66987831}" dt="2023-12-13T22:48:30.957" v="20"/>
+      <pc:chgData name="Fatima Pillosu" userId="a6295d4dc9e22643" providerId="LiveId" clId="{7F8EC0BD-3197-4221-A0D0-BDDD66987831}" dt="2023-12-17T09:10:25.407" v="37" actId="1036"/>
       <pc:docMkLst>
         <pc:docMk/>
       </pc:docMkLst>
       <pc:sldChg chg="addSp delSp modSp mod">
-        <pc:chgData name="Fatima Pillosu" userId="a6295d4dc9e22643" providerId="LiveId" clId="{7F8EC0BD-3197-4221-A0D0-BDDD66987831}" dt="2023-12-13T22:48:30.957" v="20"/>
+        <pc:chgData name="Fatima Pillosu" userId="a6295d4dc9e22643" providerId="LiveId" clId="{7F8EC0BD-3197-4221-A0D0-BDDD66987831}" dt="2023-12-17T09:10:25.407" v="37" actId="1036"/>
         <pc:sldMkLst>
           <pc:docMk/>
           <pc:sldMk cId="3435567076" sldId="256"/>
         </pc:sldMkLst>
+        <pc:spChg chg="add mod">
+          <ac:chgData name="Fatima Pillosu" userId="a6295d4dc9e22643" providerId="LiveId" clId="{7F8EC0BD-3197-4221-A0D0-BDDD66987831}" dt="2023-12-17T09:10:25.407" v="37" actId="1036"/>
+          <ac:spMkLst>
+            <pc:docMk/>
+            <pc:sldMk cId="3435567076" sldId="256"/>
+            <ac:spMk id="3" creationId="{E514386B-A81B-4A89-7DA6-8A2B6F9D3897}"/>
+          </ac:spMkLst>
+        </pc:spChg>
+        <pc:spChg chg="add mod">
+          <ac:chgData name="Fatima Pillosu" userId="a6295d4dc9e22643" providerId="LiveId" clId="{7F8EC0BD-3197-4221-A0D0-BDDD66987831}" dt="2023-12-17T09:10:17.509" v="36" actId="1036"/>
+          <ac:spMkLst>
+            <pc:docMk/>
+            <pc:sldMk cId="3435567076" sldId="256"/>
+            <ac:spMk id="4" creationId="{C2178EB9-633D-86C0-F9CD-2CE33749A8C8}"/>
+          </ac:spMkLst>
+        </pc:spChg>
         <pc:spChg chg="del">
           <ac:chgData name="Fatima Pillosu" userId="a6295d4dc9e22643" providerId="LiveId" clId="{7F8EC0BD-3197-4221-A0D0-BDDD66987831}" dt="2023-12-13T22:47:47.225" v="3" actId="478"/>
           <ac:spMkLst>
@@ -344,7 +360,7 @@
           <a:p>
             <a:fld id="{0848591D-C236-4355-B393-0D10ED842594}" type="datetimeFigureOut">
               <a:rPr lang="en-GB" smtClean="0"/>
-              <a:t>13/12/2023</a:t>
+              <a:t>17/12/2023</a:t>
             </a:fld>
             <a:endParaRPr lang="en-GB"/>
           </a:p>
@@ -514,7 +530,7 @@
           <a:p>
             <a:fld id="{0848591D-C236-4355-B393-0D10ED842594}" type="datetimeFigureOut">
               <a:rPr lang="en-GB" smtClean="0"/>
-              <a:t>13/12/2023</a:t>
+              <a:t>17/12/2023</a:t>
             </a:fld>
             <a:endParaRPr lang="en-GB"/>
           </a:p>
@@ -694,7 +710,7 @@
           <a:p>
             <a:fld id="{0848591D-C236-4355-B393-0D10ED842594}" type="datetimeFigureOut">
               <a:rPr lang="en-GB" smtClean="0"/>
-              <a:t>13/12/2023</a:t>
+              <a:t>17/12/2023</a:t>
             </a:fld>
             <a:endParaRPr lang="en-GB"/>
           </a:p>
@@ -864,7 +880,7 @@
           <a:p>
             <a:fld id="{0848591D-C236-4355-B393-0D10ED842594}" type="datetimeFigureOut">
               <a:rPr lang="en-GB" smtClean="0"/>
-              <a:t>13/12/2023</a:t>
+              <a:t>17/12/2023</a:t>
             </a:fld>
             <a:endParaRPr lang="en-GB"/>
           </a:p>
@@ -1108,7 +1124,7 @@
           <a:p>
             <a:fld id="{0848591D-C236-4355-B393-0D10ED842594}" type="datetimeFigureOut">
               <a:rPr lang="en-GB" smtClean="0"/>
-              <a:t>13/12/2023</a:t>
+              <a:t>17/12/2023</a:t>
             </a:fld>
             <a:endParaRPr lang="en-GB"/>
           </a:p>
@@ -1340,7 +1356,7 @@
           <a:p>
             <a:fld id="{0848591D-C236-4355-B393-0D10ED842594}" type="datetimeFigureOut">
               <a:rPr lang="en-GB" smtClean="0"/>
-              <a:t>13/12/2023</a:t>
+              <a:t>17/12/2023</a:t>
             </a:fld>
             <a:endParaRPr lang="en-GB"/>
           </a:p>
@@ -1707,7 +1723,7 @@
           <a:p>
             <a:fld id="{0848591D-C236-4355-B393-0D10ED842594}" type="datetimeFigureOut">
               <a:rPr lang="en-GB" smtClean="0"/>
-              <a:t>13/12/2023</a:t>
+              <a:t>17/12/2023</a:t>
             </a:fld>
             <a:endParaRPr lang="en-GB"/>
           </a:p>
@@ -1825,7 +1841,7 @@
           <a:p>
             <a:fld id="{0848591D-C236-4355-B393-0D10ED842594}" type="datetimeFigureOut">
               <a:rPr lang="en-GB" smtClean="0"/>
-              <a:t>13/12/2023</a:t>
+              <a:t>17/12/2023</a:t>
             </a:fld>
             <a:endParaRPr lang="en-GB"/>
           </a:p>
@@ -1920,7 +1936,7 @@
           <a:p>
             <a:fld id="{0848591D-C236-4355-B393-0D10ED842594}" type="datetimeFigureOut">
               <a:rPr lang="en-GB" smtClean="0"/>
-              <a:t>13/12/2023</a:t>
+              <a:t>17/12/2023</a:t>
             </a:fld>
             <a:endParaRPr lang="en-GB"/>
           </a:p>
@@ -2197,7 +2213,7 @@
           <a:p>
             <a:fld id="{0848591D-C236-4355-B393-0D10ED842594}" type="datetimeFigureOut">
               <a:rPr lang="en-GB" smtClean="0"/>
-              <a:t>13/12/2023</a:t>
+              <a:t>17/12/2023</a:t>
             </a:fld>
             <a:endParaRPr lang="en-GB"/>
           </a:p>
@@ -2454,7 +2470,7 @@
           <a:p>
             <a:fld id="{0848591D-C236-4355-B393-0D10ED842594}" type="datetimeFigureOut">
               <a:rPr lang="en-GB" smtClean="0"/>
-              <a:t>13/12/2023</a:t>
+              <a:t>17/12/2023</a:t>
             </a:fld>
             <a:endParaRPr lang="en-GB"/>
           </a:p>
@@ -2667,7 +2683,7 @@
           <a:p>
             <a:fld id="{0848591D-C236-4355-B393-0D10ED842594}" type="datetimeFigureOut">
               <a:rPr lang="en-GB" smtClean="0"/>
-              <a:t>13/12/2023</a:t>
+              <a:t>17/12/2023</a:t>
             </a:fld>
             <a:endParaRPr lang="en-GB"/>
           </a:p>
@@ -3107,6 +3123,94 @@
           </a:prstGeom>
         </p:spPr>
       </p:pic>
+      <p:sp>
+        <p:nvSpPr>
+          <p:cNvPr id="3" name="CasellaDiTesto 2">
+            <a:extLst>
+              <a:ext uri="{FF2B5EF4-FFF2-40B4-BE49-F238E27FC236}">
+                <a16:creationId xmlns:a16="http://schemas.microsoft.com/office/drawing/2014/main" id="{E514386B-A81B-4A89-7DA6-8A2B6F9D3897}"/>
+              </a:ext>
+            </a:extLst>
+          </p:cNvPr>
+          <p:cNvSpPr txBox="1"/>
+          <p:nvPr/>
+        </p:nvSpPr>
+        <p:spPr>
+          <a:xfrm>
+            <a:off x="394304" y="933752"/>
+            <a:ext cx="149981" cy="369332"/>
+          </a:xfrm>
+          <a:prstGeom prst="rect">
+            <a:avLst/>
+          </a:prstGeom>
+          <a:noFill/>
+        </p:spPr>
+        <p:txBody>
+          <a:bodyPr wrap="square" rtlCol="0">
+            <a:spAutoFit/>
+          </a:bodyPr>
+          <a:lstStyle/>
+          <a:p>
+            <a:r>
+              <a:rPr lang="it-IT" dirty="0">
+                <a:solidFill>
+                  <a:srgbClr val="0000FF"/>
+                </a:solidFill>
+              </a:rPr>
+              <a:t>A</a:t>
+            </a:r>
+            <a:endParaRPr lang="en-GB" dirty="0">
+              <a:solidFill>
+                <a:srgbClr val="0000FF"/>
+              </a:solidFill>
+            </a:endParaRPr>
+          </a:p>
+        </p:txBody>
+      </p:sp>
+      <p:sp>
+        <p:nvSpPr>
+          <p:cNvPr id="4" name="CasellaDiTesto 3">
+            <a:extLst>
+              <a:ext uri="{FF2B5EF4-FFF2-40B4-BE49-F238E27FC236}">
+                <a16:creationId xmlns:a16="http://schemas.microsoft.com/office/drawing/2014/main" id="{C2178EB9-633D-86C0-F9CD-2CE33749A8C8}"/>
+              </a:ext>
+            </a:extLst>
+          </p:cNvPr>
+          <p:cNvSpPr txBox="1"/>
+          <p:nvPr/>
+        </p:nvSpPr>
+        <p:spPr>
+          <a:xfrm>
+            <a:off x="285447" y="1173238"/>
+            <a:ext cx="149981" cy="369332"/>
+          </a:xfrm>
+          <a:prstGeom prst="rect">
+            <a:avLst/>
+          </a:prstGeom>
+          <a:noFill/>
+        </p:spPr>
+        <p:txBody>
+          <a:bodyPr wrap="square" rtlCol="0">
+            <a:spAutoFit/>
+          </a:bodyPr>
+          <a:lstStyle/>
+          <a:p>
+            <a:r>
+              <a:rPr lang="it-IT" dirty="0">
+                <a:solidFill>
+                  <a:srgbClr val="0000FF"/>
+                </a:solidFill>
+              </a:rPr>
+              <a:t>B</a:t>
+            </a:r>
+            <a:endParaRPr lang="en-GB" dirty="0">
+              <a:solidFill>
+                <a:srgbClr val="0000FF"/>
+              </a:solidFill>
+            </a:endParaRPr>
+          </a:p>
+        </p:txBody>
+      </p:sp>
     </p:spTree>
     <p:extLst>
       <p:ext uri="{BB962C8B-B14F-4D97-AF65-F5344CB8AC3E}">
